--- a/Présentation du projet HODOR.pptx
+++ b/Présentation du projet HODOR.pptx
@@ -113,6 +113,11 @@
       </a:defRPr>
     </a:lvl9pPr>
   </p:defaultTextStyle>
+  <p:extLst>
+    <p:ext uri="{EFAFB233-063F-42B5-8137-9DF3F51BA10A}">
+      <p15:sldGuideLst xmlns:p15="http://schemas.microsoft.com/office/powerpoint/2012/main"/>
+    </p:ext>
+  </p:extLst>
 </p:presentation>
 </file>
 
@@ -3837,7 +3842,7 @@
                 </a:solidFill>
                 <a:latin typeface="Constantia" panose="02030602050306030303" pitchFamily="18" charset="0"/>
               </a:rPr>
-              <a:t>Fonctionnalités et Scenarii d’utilisation</a:t>
+              <a:t>Fonctionnalités et Scénarios d’utilisation</a:t>
             </a:r>
             <a:endParaRPr lang="fr-FR" sz="2000" dirty="0">
               <a:solidFill>
@@ -4198,6 +4203,117 @@
           </a:p>
         </p:txBody>
       </p:sp>
+      <p:sp>
+        <p:nvSpPr>
+          <p:cNvPr id="3" name="ZoneTexte 2">
+            <a:extLst>
+              <a:ext uri="{FF2B5EF4-FFF2-40B4-BE49-F238E27FC236}">
+                <a16:creationId xmlns:a16="http://schemas.microsoft.com/office/drawing/2014/main" id="{B4CBF557-9B0B-4B8A-ABA7-8E2434DA653E}"/>
+              </a:ext>
+            </a:extLst>
+          </p:cNvPr>
+          <p:cNvSpPr txBox="1"/>
+          <p:nvPr/>
+        </p:nvSpPr>
+        <p:spPr>
+          <a:xfrm>
+            <a:off x="560173" y="2133600"/>
+            <a:ext cx="11302313" cy="3139321"/>
+          </a:xfrm>
+          <a:prstGeom prst="rect">
+            <a:avLst/>
+          </a:prstGeom>
+          <a:noFill/>
+        </p:spPr>
+        <p:txBody>
+          <a:bodyPr wrap="square" rtlCol="0">
+            <a:spAutoFit/>
+          </a:bodyPr>
+          <a:lstStyle/>
+          <a:p>
+            <a:r>
+              <a:rPr lang="fr-FR" dirty="0">
+                <a:latin typeface="Constantia" panose="02030602050306030303" pitchFamily="18" charset="0"/>
+              </a:rPr>
+              <a:t>L’objectif de ce projet est de créer une serrure connectée qui permettrait l’accès à son domicile de plusieurs manières :</a:t>
+            </a:r>
+          </a:p>
+          <a:p>
+            <a:r>
+              <a:rPr lang="fr-FR" dirty="0">
+                <a:latin typeface="Constantia" panose="02030602050306030303" pitchFamily="18" charset="0"/>
+              </a:rPr>
+              <a:t>	- soit par authentification avec une carte RFID</a:t>
+            </a:r>
+          </a:p>
+          <a:p>
+            <a:r>
+              <a:rPr lang="fr-FR" dirty="0">
+                <a:latin typeface="Constantia" panose="02030602050306030303" pitchFamily="18" charset="0"/>
+              </a:rPr>
+              <a:t>	- soit par authentification sur une application web/mobile</a:t>
+            </a:r>
+          </a:p>
+          <a:p>
+            <a:endParaRPr lang="fr-FR" dirty="0">
+              <a:latin typeface="Constantia" panose="02030602050306030303" pitchFamily="18" charset="0"/>
+            </a:endParaRPr>
+          </a:p>
+          <a:p>
+            <a:r>
+              <a:rPr lang="fr-FR" dirty="0">
+                <a:latin typeface="Constantia" panose="02030602050306030303" pitchFamily="18" charset="0"/>
+              </a:rPr>
+              <a:t>A notre disposition nous avons : </a:t>
+            </a:r>
+          </a:p>
+          <a:p>
+            <a:pPr lvl="6"/>
+            <a:r>
+              <a:rPr lang="fr-FR" dirty="0">
+                <a:latin typeface="Constantia" panose="02030602050306030303" pitchFamily="18" charset="0"/>
+              </a:rPr>
+              <a:t>	- un Raspberry Pi 3</a:t>
+            </a:r>
+          </a:p>
+          <a:p>
+            <a:pPr lvl="6"/>
+            <a:r>
+              <a:rPr lang="fr-FR" dirty="0">
+                <a:latin typeface="Constantia" panose="02030602050306030303" pitchFamily="18" charset="0"/>
+              </a:rPr>
+              <a:t>	- un ESP8266</a:t>
+            </a:r>
+          </a:p>
+          <a:p>
+            <a:pPr lvl="6"/>
+            <a:r>
+              <a:rPr lang="fr-FR" dirty="0">
+                <a:latin typeface="Constantia" panose="02030602050306030303" pitchFamily="18" charset="0"/>
+              </a:rPr>
+              <a:t>	- 2 Arduino Nano BLE 33</a:t>
+            </a:r>
+          </a:p>
+          <a:p>
+            <a:pPr lvl="6"/>
+            <a:r>
+              <a:rPr lang="fr-FR" dirty="0">
+                <a:latin typeface="Constantia" panose="02030602050306030303" pitchFamily="18" charset="0"/>
+              </a:rPr>
+              <a:t>	- un servo-moteur</a:t>
+            </a:r>
+          </a:p>
+          <a:p>
+            <a:pPr lvl="6"/>
+            <a:r>
+              <a:rPr lang="fr-FR" dirty="0">
+                <a:latin typeface="Constantia" panose="02030602050306030303" pitchFamily="18" charset="0"/>
+              </a:rPr>
+              <a:t>	- un lecteur de carte RFID</a:t>
+            </a:r>
+          </a:p>
+        </p:txBody>
+      </p:sp>
     </p:spTree>
     <p:extLst>
       <p:ext uri="{BB962C8B-B14F-4D97-AF65-F5344CB8AC3E}">
@@ -4286,7 +4402,7 @@
                 </a:solidFill>
                 <a:latin typeface="Constantia" panose="02030602050306030303" pitchFamily="18" charset="0"/>
               </a:rPr>
-              <a:t>Fonctionnalités et Scenarii d’utilisation</a:t>
+              <a:t>Fonctionnalités et Scénarios d’utilisation</a:t>
             </a:r>
           </a:p>
           <a:p>
@@ -4300,6 +4416,120 @@
               </a:solidFill>
               <a:latin typeface="Constantia" panose="02030602050306030303" pitchFamily="18" charset="0"/>
             </a:endParaRPr>
+          </a:p>
+        </p:txBody>
+      </p:sp>
+      <p:sp>
+        <p:nvSpPr>
+          <p:cNvPr id="2" name="ZoneTexte 1">
+            <a:extLst>
+              <a:ext uri="{FF2B5EF4-FFF2-40B4-BE49-F238E27FC236}">
+                <a16:creationId xmlns:a16="http://schemas.microsoft.com/office/drawing/2014/main" id="{A5ED8640-1E94-4193-A61D-3FAC3E2A3267}"/>
+              </a:ext>
+            </a:extLst>
+          </p:cNvPr>
+          <p:cNvSpPr txBox="1"/>
+          <p:nvPr/>
+        </p:nvSpPr>
+        <p:spPr>
+          <a:xfrm>
+            <a:off x="411892" y="1825625"/>
+            <a:ext cx="11425881" cy="2862322"/>
+          </a:xfrm>
+          <a:prstGeom prst="rect">
+            <a:avLst/>
+          </a:prstGeom>
+          <a:noFill/>
+        </p:spPr>
+        <p:txBody>
+          <a:bodyPr wrap="square" rtlCol="0">
+            <a:spAutoFit/>
+          </a:bodyPr>
+          <a:lstStyle/>
+          <a:p>
+            <a:r>
+              <a:rPr lang="fr-FR" b="1" u="sng" dirty="0">
+                <a:latin typeface="Constantia" panose="02030602050306030303" pitchFamily="18" charset="0"/>
+              </a:rPr>
+              <a:t>1</a:t>
+            </a:r>
+            <a:r>
+              <a:rPr lang="fr-FR" b="1" u="sng" baseline="30000" dirty="0">
+                <a:latin typeface="Constantia" panose="02030602050306030303" pitchFamily="18" charset="0"/>
+              </a:rPr>
+              <a:t>er</a:t>
+            </a:r>
+            <a:r>
+              <a:rPr lang="fr-FR" b="1" u="sng" dirty="0">
+                <a:latin typeface="Constantia" panose="02030602050306030303" pitchFamily="18" charset="0"/>
+              </a:rPr>
+              <a:t> scénario d’utilisation :</a:t>
+            </a:r>
+          </a:p>
+          <a:p>
+            <a:r>
+              <a:rPr lang="fr-FR" dirty="0">
+                <a:latin typeface="Constantia" panose="02030602050306030303" pitchFamily="18" charset="0"/>
+              </a:rPr>
+              <a:t>	</a:t>
+            </a:r>
+            <a:r>
+              <a:rPr lang="fr-FR">
+                <a:latin typeface="Constantia" panose="02030602050306030303" pitchFamily="18" charset="0"/>
+              </a:rPr>
+              <a:t>L’utilisateur a </a:t>
+            </a:r>
+            <a:r>
+              <a:rPr lang="fr-FR" dirty="0">
+                <a:latin typeface="Constantia" panose="02030602050306030303" pitchFamily="18" charset="0"/>
+              </a:rPr>
+              <a:t>une carte RFID validé par le propriétaire de la maison, se présente devant la porte</a:t>
+            </a:r>
+            <a:r>
+              <a:rPr lang="fr-FR">
+                <a:latin typeface="Constantia" panose="02030602050306030303" pitchFamily="18" charset="0"/>
+              </a:rPr>
+              <a:t>, scanne </a:t>
+            </a:r>
+            <a:r>
+              <a:rPr lang="fr-FR" dirty="0">
+                <a:latin typeface="Constantia" panose="02030602050306030303" pitchFamily="18" charset="0"/>
+              </a:rPr>
+              <a:t>sa carte RFID devant le lecteur de carte RFID, celle-ci est validée, le servo-moteur débloque la serrure et permet l’accès au domicile.</a:t>
+            </a:r>
+          </a:p>
+          <a:p>
+            <a:endParaRPr lang="fr-FR" dirty="0">
+              <a:latin typeface="Constantia" panose="02030602050306030303" pitchFamily="18" charset="0"/>
+            </a:endParaRPr>
+          </a:p>
+          <a:p>
+            <a:r>
+              <a:rPr lang="fr-FR" b="1" u="sng" dirty="0">
+                <a:latin typeface="Constantia" panose="02030602050306030303" pitchFamily="18" charset="0"/>
+              </a:rPr>
+              <a:t>2</a:t>
+            </a:r>
+            <a:r>
+              <a:rPr lang="fr-FR" b="1" u="sng" baseline="30000" dirty="0">
+                <a:latin typeface="Constantia" panose="02030602050306030303" pitchFamily="18" charset="0"/>
+              </a:rPr>
+              <a:t>nd</a:t>
+            </a:r>
+            <a:r>
+              <a:rPr lang="fr-FR" b="1" u="sng" dirty="0">
+                <a:latin typeface="Constantia" panose="02030602050306030303" pitchFamily="18" charset="0"/>
+              </a:rPr>
+              <a:t> scénario d’utilisation : </a:t>
+            </a:r>
+          </a:p>
+          <a:p>
+            <a:r>
+              <a:rPr lang="fr-FR" dirty="0">
+                <a:latin typeface="Constantia" panose="02030602050306030303" pitchFamily="18" charset="0"/>
+              </a:rPr>
+              <a:t>	L’utilisateur accède à l’application mobile via web ou mobile, créer un compte, celui-ci est validé par le propriétaire (administrateur sur l’application) et l’utilisateur s’il se connecte pendant les dates et les plages horaires définies avec le propriétaire accède à un panneau de contrôle lui permettant d’actionner l’ouverture de la porte ou sa fermeture.</a:t>
+            </a:r>
           </a:p>
         </p:txBody>
       </p:sp>

--- a/Présentation du projet HODOR.pptx
+++ b/Présentation du projet HODOR.pptx
@@ -13,8 +13,13 @@
     <p:sldId id="263" r:id="rId7"/>
     <p:sldId id="261" r:id="rId8"/>
     <p:sldId id="264" r:id="rId9"/>
-    <p:sldId id="265" r:id="rId10"/>
-    <p:sldId id="262" r:id="rId11"/>
+    <p:sldId id="267" r:id="rId10"/>
+    <p:sldId id="266" r:id="rId11"/>
+    <p:sldId id="269" r:id="rId12"/>
+    <p:sldId id="270" r:id="rId13"/>
+    <p:sldId id="268" r:id="rId14"/>
+    <p:sldId id="265" r:id="rId15"/>
+    <p:sldId id="262" r:id="rId16"/>
   </p:sldIdLst>
   <p:sldSz cx="12192000" cy="6858000"/>
   <p:notesSz cx="6858000" cy="9144000"/>
@@ -3562,8 +3567,8 @@
         </p:nvSpPr>
         <p:spPr>
           <a:xfrm>
-            <a:off x="838200" y="500062"/>
-            <a:ext cx="10515600" cy="1325563"/>
+            <a:off x="838200" y="310394"/>
+            <a:ext cx="10515600" cy="1308681"/>
           </a:xfrm>
           <a:prstGeom prst="rect">
             <a:avLst/>
@@ -3604,17 +3609,1394 @@
                 </a:solidFill>
                 <a:latin typeface="Constantia" panose="02030602050306030303" pitchFamily="18" charset="0"/>
               </a:rPr>
-              <a:t>Bilan</a:t>
-            </a:r>
-          </a:p>
-        </p:txBody>
-      </p:sp>
-      <p:sp>
-        <p:nvSpPr>
-          <p:cNvPr id="4" name="Espace réservé du contenu 2">
-            <a:extLst>
-              <a:ext uri="{FF2B5EF4-FFF2-40B4-BE49-F238E27FC236}">
-                <a16:creationId xmlns:a16="http://schemas.microsoft.com/office/drawing/2014/main" id="{24EC6BDB-7E03-4D66-9D44-AFE4BE794A4A}"/>
+              <a:t>Codes et Fonctionnalités traitées</a:t>
+            </a:r>
+          </a:p>
+          <a:p>
+            <a:pPr algn="ctr"/>
+            <a:r>
+              <a:rPr lang="fr-FR" i="1" dirty="0">
+                <a:solidFill>
+                  <a:schemeClr val="tx1">
+                    <a:lumMod val="75000"/>
+                    <a:lumOff val="25000"/>
+                  </a:schemeClr>
+                </a:solidFill>
+                <a:latin typeface="Constantia" panose="02030602050306030303" pitchFamily="18" charset="0"/>
+              </a:rPr>
+              <a:t>- Application Web PHP -</a:t>
+            </a:r>
+          </a:p>
+        </p:txBody>
+      </p:sp>
+      <p:sp>
+        <p:nvSpPr>
+          <p:cNvPr id="2" name="ZoneTexte 1">
+            <a:extLst>
+              <a:ext uri="{FF2B5EF4-FFF2-40B4-BE49-F238E27FC236}">
+                <a16:creationId xmlns:a16="http://schemas.microsoft.com/office/drawing/2014/main" id="{A35B0FE1-E612-49A9-A4A8-4F0076E8248C}"/>
+              </a:ext>
+            </a:extLst>
+          </p:cNvPr>
+          <p:cNvSpPr txBox="1"/>
+          <p:nvPr/>
+        </p:nvSpPr>
+        <p:spPr>
+          <a:xfrm>
+            <a:off x="370703" y="1894703"/>
+            <a:ext cx="11500021" cy="1754326"/>
+          </a:xfrm>
+          <a:prstGeom prst="rect">
+            <a:avLst/>
+          </a:prstGeom>
+          <a:noFill/>
+        </p:spPr>
+        <p:txBody>
+          <a:bodyPr wrap="square" rtlCol="0">
+            <a:spAutoFit/>
+          </a:bodyPr>
+          <a:lstStyle/>
+          <a:p>
+            <a:r>
+              <a:rPr lang="fr-FR" dirty="0"/>
+              <a:t>Une fois le compte validé et les plages horaires définies pour le visiteur celui-ci a alors accès au panneau de contrôle :</a:t>
+            </a:r>
+          </a:p>
+          <a:p>
+            <a:endParaRPr lang="fr-FR" dirty="0"/>
+          </a:p>
+          <a:p>
+            <a:r>
+              <a:rPr lang="fr-FR" dirty="0"/>
+              <a:t>					Une action sur l’input </a:t>
+            </a:r>
+            <a:r>
+              <a:rPr lang="fr-FR" dirty="0" err="1"/>
+              <a:t>toggle</a:t>
+            </a:r>
+            <a:r>
+              <a:rPr lang="fr-FR" dirty="0"/>
+              <a:t>-switch publiera alors l’action que l’on veut 					sur le topic « </a:t>
+            </a:r>
+            <a:r>
+              <a:rPr lang="fr-FR" dirty="0" err="1"/>
+              <a:t>guizard</a:t>
+            </a:r>
+            <a:r>
+              <a:rPr lang="fr-FR" dirty="0"/>
+              <a:t>/</a:t>
+            </a:r>
+            <a:r>
+              <a:rPr lang="fr-FR" dirty="0" err="1"/>
+              <a:t>hodor</a:t>
+            </a:r>
+            <a:r>
+              <a:rPr lang="fr-FR" dirty="0"/>
+              <a:t>/</a:t>
+            </a:r>
+            <a:r>
+              <a:rPr lang="fr-FR" dirty="0" err="1"/>
+              <a:t>status_door</a:t>
+            </a:r>
+            <a:r>
+              <a:rPr lang="fr-FR" dirty="0"/>
+              <a:t> » sur le broker MQTT qui sera 					ensuite interpréter par nos scripts python </a:t>
+            </a:r>
+          </a:p>
+          <a:p>
+            <a:r>
+              <a:rPr lang="fr-FR" dirty="0"/>
+              <a:t>					qui enclencheront l’action voulu par le servo-moteur :</a:t>
+            </a:r>
+          </a:p>
+        </p:txBody>
+      </p:sp>
+      <p:pic>
+        <p:nvPicPr>
+          <p:cNvPr id="5" name="Image 4">
+            <a:extLst>
+              <a:ext uri="{FF2B5EF4-FFF2-40B4-BE49-F238E27FC236}">
+                <a16:creationId xmlns:a16="http://schemas.microsoft.com/office/drawing/2014/main" id="{62ACD413-E55A-4F80-A6CA-5CF7FD9FFE17}"/>
+              </a:ext>
+            </a:extLst>
+          </p:cNvPr>
+          <p:cNvPicPr>
+            <a:picLocks noChangeAspect="1"/>
+          </p:cNvPicPr>
+          <p:nvPr/>
+        </p:nvPicPr>
+        <p:blipFill>
+          <a:blip r:embed="rId2"/>
+          <a:stretch>
+            <a:fillRect/>
+          </a:stretch>
+        </p:blipFill>
+        <p:spPr>
+          <a:xfrm>
+            <a:off x="626462" y="2315401"/>
+            <a:ext cx="4200911" cy="4256830"/>
+          </a:xfrm>
+          <a:prstGeom prst="rect">
+            <a:avLst/>
+          </a:prstGeom>
+        </p:spPr>
+      </p:pic>
+      <p:pic>
+        <p:nvPicPr>
+          <p:cNvPr id="3" name="Image 2">
+            <a:extLst>
+              <a:ext uri="{FF2B5EF4-FFF2-40B4-BE49-F238E27FC236}">
+                <a16:creationId xmlns:a16="http://schemas.microsoft.com/office/drawing/2014/main" id="{7465B73E-1889-48EC-9B64-930CBE5C7E4A}"/>
+              </a:ext>
+            </a:extLst>
+          </p:cNvPr>
+          <p:cNvPicPr>
+            <a:picLocks noChangeAspect="1"/>
+          </p:cNvPicPr>
+          <p:nvPr/>
+        </p:nvPicPr>
+        <p:blipFill rotWithShape="1">
+          <a:blip r:embed="rId3"/>
+          <a:srcRect t="31394" b="29082"/>
+          <a:stretch/>
+        </p:blipFill>
+        <p:spPr>
+          <a:xfrm>
+            <a:off x="5173233" y="3731741"/>
+            <a:ext cx="5915025" cy="1754326"/>
+          </a:xfrm>
+          <a:prstGeom prst="rect">
+            <a:avLst/>
+          </a:prstGeom>
+        </p:spPr>
+      </p:pic>
+    </p:spTree>
+    <p:extLst>
+      <p:ext uri="{BB962C8B-B14F-4D97-AF65-F5344CB8AC3E}">
+        <p14:creationId xmlns:p14="http://schemas.microsoft.com/office/powerpoint/2010/main" val="3297067295"/>
+      </p:ext>
+    </p:extLst>
+  </p:cSld>
+  <p:clrMapOvr>
+    <a:masterClrMapping/>
+  </p:clrMapOvr>
+</p:sld>
+</file>
+
+<file path=ppt/slides/slide11.xml><?xml version="1.0" encoding="utf-8"?>
+<p:sld xmlns:a="http://schemas.openxmlformats.org/drawingml/2006/main" xmlns:r="http://schemas.openxmlformats.org/officeDocument/2006/relationships" xmlns:p="http://schemas.openxmlformats.org/presentationml/2006/main">
+  <p:cSld>
+    <p:spTree>
+      <p:nvGrpSpPr>
+        <p:cNvPr id="1" name=""/>
+        <p:cNvGrpSpPr/>
+        <p:nvPr/>
+      </p:nvGrpSpPr>
+      <p:grpSpPr>
+        <a:xfrm>
+          <a:off x="0" y="0"/>
+          <a:ext cx="0" cy="0"/>
+          <a:chOff x="0" y="0"/>
+          <a:chExt cx="0" cy="0"/>
+        </a:xfrm>
+      </p:grpSpPr>
+      <p:sp>
+        <p:nvSpPr>
+          <p:cNvPr id="6" name="Titre 1">
+            <a:extLst>
+              <a:ext uri="{FF2B5EF4-FFF2-40B4-BE49-F238E27FC236}">
+                <a16:creationId xmlns:a16="http://schemas.microsoft.com/office/drawing/2014/main" id="{5A1624C8-ABBC-4C56-A640-D66F051E8895}"/>
+              </a:ext>
+            </a:extLst>
+          </p:cNvPr>
+          <p:cNvSpPr txBox="1">
+            <a:spLocks/>
+          </p:cNvSpPr>
+          <p:nvPr/>
+        </p:nvSpPr>
+        <p:spPr>
+          <a:xfrm>
+            <a:off x="838200" y="310394"/>
+            <a:ext cx="10515600" cy="1308681"/>
+          </a:xfrm>
+          <a:prstGeom prst="rect">
+            <a:avLst/>
+          </a:prstGeom>
+        </p:spPr>
+        <p:txBody>
+          <a:bodyPr vert="horz" lIns="91440" tIns="45720" rIns="91440" bIns="45720" rtlCol="0" anchor="ctr">
+            <a:normAutofit/>
+          </a:bodyPr>
+          <a:lstStyle>
+            <a:lvl1pPr algn="l" defTabSz="914400" rtl="0" eaLnBrk="1" latinLnBrk="0" hangingPunct="1">
+              <a:lnSpc>
+                <a:spcPct val="90000"/>
+              </a:lnSpc>
+              <a:spcBef>
+                <a:spcPct val="0"/>
+              </a:spcBef>
+              <a:buNone/>
+              <a:defRPr sz="4400" kern="1200">
+                <a:solidFill>
+                  <a:schemeClr val="tx1"/>
+                </a:solidFill>
+                <a:latin typeface="+mj-lt"/>
+                <a:ea typeface="+mj-ea"/>
+                <a:cs typeface="+mj-cs"/>
+              </a:defRPr>
+            </a:lvl1pPr>
+          </a:lstStyle>
+          <a:p>
+            <a:pPr algn="ctr"/>
+            <a:r>
+              <a:rPr lang="fr-FR" dirty="0">
+                <a:solidFill>
+                  <a:schemeClr val="tx1">
+                    <a:lumMod val="75000"/>
+                    <a:lumOff val="25000"/>
+                  </a:schemeClr>
+                </a:solidFill>
+                <a:latin typeface="Constantia" panose="02030602050306030303" pitchFamily="18" charset="0"/>
+              </a:rPr>
+              <a:t>Codes et Fonctionnalités traitées</a:t>
+            </a:r>
+          </a:p>
+          <a:p>
+            <a:pPr algn="ctr"/>
+            <a:r>
+              <a:rPr lang="fr-FR" i="1" dirty="0">
+                <a:solidFill>
+                  <a:schemeClr val="tx1">
+                    <a:lumMod val="75000"/>
+                    <a:lumOff val="25000"/>
+                  </a:schemeClr>
+                </a:solidFill>
+                <a:latin typeface="Constantia" panose="02030602050306030303" pitchFamily="18" charset="0"/>
+              </a:rPr>
+              <a:t>- Application Web PHP -</a:t>
+            </a:r>
+          </a:p>
+        </p:txBody>
+      </p:sp>
+      <p:sp>
+        <p:nvSpPr>
+          <p:cNvPr id="3" name="ZoneTexte 2">
+            <a:extLst>
+              <a:ext uri="{FF2B5EF4-FFF2-40B4-BE49-F238E27FC236}">
+                <a16:creationId xmlns:a16="http://schemas.microsoft.com/office/drawing/2014/main" id="{5805FF0E-11D6-4E65-A27A-252665EC7C35}"/>
+              </a:ext>
+            </a:extLst>
+          </p:cNvPr>
+          <p:cNvSpPr txBox="1"/>
+          <p:nvPr/>
+        </p:nvSpPr>
+        <p:spPr>
+          <a:xfrm>
+            <a:off x="420130" y="2084173"/>
+            <a:ext cx="11574162" cy="369332"/>
+          </a:xfrm>
+          <a:prstGeom prst="rect">
+            <a:avLst/>
+          </a:prstGeom>
+          <a:noFill/>
+        </p:spPr>
+        <p:txBody>
+          <a:bodyPr wrap="square" rtlCol="0">
+            <a:spAutoFit/>
+          </a:bodyPr>
+          <a:lstStyle/>
+          <a:p>
+            <a:r>
+              <a:rPr lang="fr-FR" dirty="0"/>
+              <a:t>Administration :</a:t>
+            </a:r>
+          </a:p>
+        </p:txBody>
+      </p:sp>
+      <p:pic>
+        <p:nvPicPr>
+          <p:cNvPr id="10" name="Image 9">
+            <a:extLst>
+              <a:ext uri="{FF2B5EF4-FFF2-40B4-BE49-F238E27FC236}">
+                <a16:creationId xmlns:a16="http://schemas.microsoft.com/office/drawing/2014/main" id="{BB017834-86F0-41A4-88DE-76A60DA4F1B7}"/>
+              </a:ext>
+            </a:extLst>
+          </p:cNvPr>
+          <p:cNvPicPr/>
+          <p:nvPr/>
+        </p:nvPicPr>
+        <p:blipFill rotWithShape="1">
+          <a:blip r:embed="rId2"/>
+          <a:srcRect l="3828" t="2807" r="4985" b="5744"/>
+          <a:stretch/>
+        </p:blipFill>
+        <p:spPr bwMode="auto">
+          <a:xfrm>
+            <a:off x="577987" y="2489997"/>
+            <a:ext cx="3804543" cy="3828998"/>
+          </a:xfrm>
+          <a:prstGeom prst="rect">
+            <a:avLst/>
+          </a:prstGeom>
+          <a:ln>
+            <a:noFill/>
+          </a:ln>
+          <a:extLst>
+            <a:ext uri="{53640926-AAD7-44D8-BBD7-CCE9431645EC}">
+              <a14:shadowObscured xmlns:a14="http://schemas.microsoft.com/office/drawing/2010/main"/>
+            </a:ext>
+          </a:extLst>
+        </p:spPr>
+      </p:pic>
+      <p:pic>
+        <p:nvPicPr>
+          <p:cNvPr id="11" name="Image 10">
+            <a:extLst>
+              <a:ext uri="{FF2B5EF4-FFF2-40B4-BE49-F238E27FC236}">
+                <a16:creationId xmlns:a16="http://schemas.microsoft.com/office/drawing/2014/main" id="{0121AA21-383E-4215-A7CB-8D26B5085438}"/>
+              </a:ext>
+            </a:extLst>
+          </p:cNvPr>
+          <p:cNvPicPr/>
+          <p:nvPr/>
+        </p:nvPicPr>
+        <p:blipFill>
+          <a:blip r:embed="rId3">
+            <a:extLst>
+              <a:ext uri="{28A0092B-C50C-407E-A947-70E740481C1C}">
+                <a14:useLocalDpi xmlns:a14="http://schemas.microsoft.com/office/drawing/2010/main" val="0"/>
+              </a:ext>
+            </a:extLst>
+          </a:blip>
+          <a:stretch>
+            <a:fillRect/>
+          </a:stretch>
+        </p:blipFill>
+        <p:spPr>
+          <a:xfrm>
+            <a:off x="4680087" y="1627383"/>
+            <a:ext cx="7027940" cy="1890173"/>
+          </a:xfrm>
+          <a:prstGeom prst="rect">
+            <a:avLst/>
+          </a:prstGeom>
+        </p:spPr>
+      </p:pic>
+      <p:pic>
+        <p:nvPicPr>
+          <p:cNvPr id="12" name="Image 11">
+            <a:extLst>
+              <a:ext uri="{FF2B5EF4-FFF2-40B4-BE49-F238E27FC236}">
+                <a16:creationId xmlns:a16="http://schemas.microsoft.com/office/drawing/2014/main" id="{1BF176BE-8C10-4306-A575-972C7FE94418}"/>
+              </a:ext>
+            </a:extLst>
+          </p:cNvPr>
+          <p:cNvPicPr/>
+          <p:nvPr/>
+        </p:nvPicPr>
+        <p:blipFill rotWithShape="1">
+          <a:blip r:embed="rId4"/>
+          <a:srcRect l="5051"/>
+          <a:stretch/>
+        </p:blipFill>
+        <p:spPr>
+          <a:xfrm>
+            <a:off x="6977737" y="3657599"/>
+            <a:ext cx="2685247" cy="3122142"/>
+          </a:xfrm>
+          <a:prstGeom prst="rect">
+            <a:avLst/>
+          </a:prstGeom>
+        </p:spPr>
+      </p:pic>
+      <p:cxnSp>
+        <p:nvCxnSpPr>
+          <p:cNvPr id="14" name="Connecteur droit avec flèche 13">
+            <a:extLst>
+              <a:ext uri="{FF2B5EF4-FFF2-40B4-BE49-F238E27FC236}">
+                <a16:creationId xmlns:a16="http://schemas.microsoft.com/office/drawing/2014/main" id="{0ED26F12-9326-465A-A933-C0685F30BCE3}"/>
+              </a:ext>
+            </a:extLst>
+          </p:cNvPr>
+          <p:cNvCxnSpPr>
+            <a:endCxn id="11" idx="1"/>
+          </p:cNvCxnSpPr>
+          <p:nvPr/>
+        </p:nvCxnSpPr>
+        <p:spPr>
+          <a:xfrm flipV="1">
+            <a:off x="3369276" y="2572470"/>
+            <a:ext cx="1310811" cy="3540006"/>
+          </a:xfrm>
+          <a:prstGeom prst="straightConnector1">
+            <a:avLst/>
+          </a:prstGeom>
+          <a:ln>
+            <a:solidFill>
+              <a:srgbClr val="FF0000"/>
+            </a:solidFill>
+            <a:tailEnd type="triangle"/>
+          </a:ln>
+        </p:spPr>
+        <p:style>
+          <a:lnRef idx="1">
+            <a:schemeClr val="accent6"/>
+          </a:lnRef>
+          <a:fillRef idx="0">
+            <a:schemeClr val="accent6"/>
+          </a:fillRef>
+          <a:effectRef idx="0">
+            <a:schemeClr val="accent6"/>
+          </a:effectRef>
+          <a:fontRef idx="minor">
+            <a:schemeClr val="tx1"/>
+          </a:fontRef>
+        </p:style>
+      </p:cxnSp>
+      <p:cxnSp>
+        <p:nvCxnSpPr>
+          <p:cNvPr id="16" name="Connecteur droit avec flèche 15">
+            <a:extLst>
+              <a:ext uri="{FF2B5EF4-FFF2-40B4-BE49-F238E27FC236}">
+                <a16:creationId xmlns:a16="http://schemas.microsoft.com/office/drawing/2014/main" id="{2A0A2F7C-2F59-40AA-9117-2338BA9B4A5A}"/>
+              </a:ext>
+            </a:extLst>
+          </p:cNvPr>
+          <p:cNvCxnSpPr>
+            <a:cxnSpLocks/>
+          </p:cNvCxnSpPr>
+          <p:nvPr/>
+        </p:nvCxnSpPr>
+        <p:spPr>
+          <a:xfrm>
+            <a:off x="4901514" y="3113903"/>
+            <a:ext cx="2076223" cy="1309816"/>
+          </a:xfrm>
+          <a:prstGeom prst="straightConnector1">
+            <a:avLst/>
+          </a:prstGeom>
+          <a:ln>
+            <a:solidFill>
+              <a:srgbClr val="FF0000"/>
+            </a:solidFill>
+            <a:tailEnd type="triangle"/>
+          </a:ln>
+        </p:spPr>
+        <p:style>
+          <a:lnRef idx="1">
+            <a:schemeClr val="accent1"/>
+          </a:lnRef>
+          <a:fillRef idx="0">
+            <a:schemeClr val="accent1"/>
+          </a:fillRef>
+          <a:effectRef idx="0">
+            <a:schemeClr val="accent1"/>
+          </a:effectRef>
+          <a:fontRef idx="minor">
+            <a:schemeClr val="tx1"/>
+          </a:fontRef>
+        </p:style>
+      </p:cxnSp>
+      <p:cxnSp>
+        <p:nvCxnSpPr>
+          <p:cNvPr id="19" name="Connecteur droit avec flèche 18">
+            <a:extLst>
+              <a:ext uri="{FF2B5EF4-FFF2-40B4-BE49-F238E27FC236}">
+                <a16:creationId xmlns:a16="http://schemas.microsoft.com/office/drawing/2014/main" id="{AA69E328-54B0-4C58-A009-D131C666B722}"/>
+              </a:ext>
+            </a:extLst>
+          </p:cNvPr>
+          <p:cNvCxnSpPr>
+            <a:cxnSpLocks/>
+          </p:cNvCxnSpPr>
+          <p:nvPr/>
+        </p:nvCxnSpPr>
+        <p:spPr>
+          <a:xfrm flipH="1">
+            <a:off x="4382531" y="3429000"/>
+            <a:ext cx="1779372" cy="1283043"/>
+          </a:xfrm>
+          <a:prstGeom prst="straightConnector1">
+            <a:avLst/>
+          </a:prstGeom>
+          <a:ln>
+            <a:tailEnd type="triangle"/>
+          </a:ln>
+        </p:spPr>
+        <p:style>
+          <a:lnRef idx="1">
+            <a:schemeClr val="accent1"/>
+          </a:lnRef>
+          <a:fillRef idx="0">
+            <a:schemeClr val="accent1"/>
+          </a:fillRef>
+          <a:effectRef idx="0">
+            <a:schemeClr val="accent1"/>
+          </a:effectRef>
+          <a:fontRef idx="minor">
+            <a:schemeClr val="tx1"/>
+          </a:fontRef>
+        </p:style>
+      </p:cxnSp>
+      <p:cxnSp>
+        <p:nvCxnSpPr>
+          <p:cNvPr id="21" name="Connecteur droit avec flèche 20">
+            <a:extLst>
+              <a:ext uri="{FF2B5EF4-FFF2-40B4-BE49-F238E27FC236}">
+                <a16:creationId xmlns:a16="http://schemas.microsoft.com/office/drawing/2014/main" id="{5F429C34-9443-49A2-A0EE-8489A6F237B6}"/>
+              </a:ext>
+            </a:extLst>
+          </p:cNvPr>
+          <p:cNvCxnSpPr/>
+          <p:nvPr/>
+        </p:nvCxnSpPr>
+        <p:spPr>
+          <a:xfrm flipV="1">
+            <a:off x="8262551" y="3517556"/>
+            <a:ext cx="708454" cy="3015049"/>
+          </a:xfrm>
+          <a:prstGeom prst="straightConnector1">
+            <a:avLst/>
+          </a:prstGeom>
+          <a:ln>
+            <a:solidFill>
+              <a:srgbClr val="FF0000"/>
+            </a:solidFill>
+            <a:tailEnd type="triangle"/>
+          </a:ln>
+        </p:spPr>
+        <p:style>
+          <a:lnRef idx="1">
+            <a:schemeClr val="accent1"/>
+          </a:lnRef>
+          <a:fillRef idx="0">
+            <a:schemeClr val="accent1"/>
+          </a:fillRef>
+          <a:effectRef idx="0">
+            <a:schemeClr val="accent1"/>
+          </a:effectRef>
+          <a:fontRef idx="minor">
+            <a:schemeClr val="tx1"/>
+          </a:fontRef>
+        </p:style>
+      </p:cxnSp>
+    </p:spTree>
+    <p:extLst>
+      <p:ext uri="{BB962C8B-B14F-4D97-AF65-F5344CB8AC3E}">
+        <p14:creationId xmlns:p14="http://schemas.microsoft.com/office/powerpoint/2010/main" val="2228041533"/>
+      </p:ext>
+    </p:extLst>
+  </p:cSld>
+  <p:clrMapOvr>
+    <a:masterClrMapping/>
+  </p:clrMapOvr>
+</p:sld>
+</file>
+
+<file path=ppt/slides/slide12.xml><?xml version="1.0" encoding="utf-8"?>
+<p:sld xmlns:a="http://schemas.openxmlformats.org/drawingml/2006/main" xmlns:r="http://schemas.openxmlformats.org/officeDocument/2006/relationships" xmlns:p="http://schemas.openxmlformats.org/presentationml/2006/main">
+  <p:cSld>
+    <p:spTree>
+      <p:nvGrpSpPr>
+        <p:cNvPr id="1" name=""/>
+        <p:cNvGrpSpPr/>
+        <p:nvPr/>
+      </p:nvGrpSpPr>
+      <p:grpSpPr>
+        <a:xfrm>
+          <a:off x="0" y="0"/>
+          <a:ext cx="0" cy="0"/>
+          <a:chOff x="0" y="0"/>
+          <a:chExt cx="0" cy="0"/>
+        </a:xfrm>
+      </p:grpSpPr>
+      <p:sp>
+        <p:nvSpPr>
+          <p:cNvPr id="6" name="Titre 1">
+            <a:extLst>
+              <a:ext uri="{FF2B5EF4-FFF2-40B4-BE49-F238E27FC236}">
+                <a16:creationId xmlns:a16="http://schemas.microsoft.com/office/drawing/2014/main" id="{5A1624C8-ABBC-4C56-A640-D66F051E8895}"/>
+              </a:ext>
+            </a:extLst>
+          </p:cNvPr>
+          <p:cNvSpPr txBox="1">
+            <a:spLocks/>
+          </p:cNvSpPr>
+          <p:nvPr/>
+        </p:nvSpPr>
+        <p:spPr>
+          <a:xfrm>
+            <a:off x="838200" y="310394"/>
+            <a:ext cx="10515600" cy="1308681"/>
+          </a:xfrm>
+          <a:prstGeom prst="rect">
+            <a:avLst/>
+          </a:prstGeom>
+        </p:spPr>
+        <p:txBody>
+          <a:bodyPr vert="horz" lIns="91440" tIns="45720" rIns="91440" bIns="45720" rtlCol="0" anchor="ctr">
+            <a:normAutofit/>
+          </a:bodyPr>
+          <a:lstStyle>
+            <a:lvl1pPr algn="l" defTabSz="914400" rtl="0" eaLnBrk="1" latinLnBrk="0" hangingPunct="1">
+              <a:lnSpc>
+                <a:spcPct val="90000"/>
+              </a:lnSpc>
+              <a:spcBef>
+                <a:spcPct val="0"/>
+              </a:spcBef>
+              <a:buNone/>
+              <a:defRPr sz="4400" kern="1200">
+                <a:solidFill>
+                  <a:schemeClr val="tx1"/>
+                </a:solidFill>
+                <a:latin typeface="+mj-lt"/>
+                <a:ea typeface="+mj-ea"/>
+                <a:cs typeface="+mj-cs"/>
+              </a:defRPr>
+            </a:lvl1pPr>
+          </a:lstStyle>
+          <a:p>
+            <a:pPr algn="ctr"/>
+            <a:r>
+              <a:rPr lang="fr-FR" dirty="0">
+                <a:solidFill>
+                  <a:schemeClr val="tx1">
+                    <a:lumMod val="75000"/>
+                    <a:lumOff val="25000"/>
+                  </a:schemeClr>
+                </a:solidFill>
+                <a:latin typeface="Constantia" panose="02030602050306030303" pitchFamily="18" charset="0"/>
+              </a:rPr>
+              <a:t>Codes et Fonctionnalités traitées</a:t>
+            </a:r>
+          </a:p>
+          <a:p>
+            <a:pPr algn="ctr"/>
+            <a:r>
+              <a:rPr lang="fr-FR" i="1" dirty="0">
+                <a:solidFill>
+                  <a:schemeClr val="tx1">
+                    <a:lumMod val="75000"/>
+                    <a:lumOff val="25000"/>
+                  </a:schemeClr>
+                </a:solidFill>
+                <a:latin typeface="Constantia" panose="02030602050306030303" pitchFamily="18" charset="0"/>
+              </a:rPr>
+              <a:t>- Application Web PHP -</a:t>
+            </a:r>
+          </a:p>
+        </p:txBody>
+      </p:sp>
+      <p:sp>
+        <p:nvSpPr>
+          <p:cNvPr id="2" name="ZoneTexte 1">
+            <a:extLst>
+              <a:ext uri="{FF2B5EF4-FFF2-40B4-BE49-F238E27FC236}">
+                <a16:creationId xmlns:a16="http://schemas.microsoft.com/office/drawing/2014/main" id="{A35B0FE1-E612-49A9-A4A8-4F0076E8248C}"/>
+              </a:ext>
+            </a:extLst>
+          </p:cNvPr>
+          <p:cNvSpPr txBox="1"/>
+          <p:nvPr/>
+        </p:nvSpPr>
+        <p:spPr>
+          <a:xfrm>
+            <a:off x="370703" y="1894703"/>
+            <a:ext cx="11500021" cy="3139321"/>
+          </a:xfrm>
+          <a:prstGeom prst="rect">
+            <a:avLst/>
+          </a:prstGeom>
+          <a:noFill/>
+        </p:spPr>
+        <p:txBody>
+          <a:bodyPr wrap="square" rtlCol="0">
+            <a:spAutoFit/>
+          </a:bodyPr>
+          <a:lstStyle/>
+          <a:p>
+            <a:r>
+              <a:rPr lang="fr-FR" dirty="0"/>
+              <a:t>Administration log : </a:t>
+            </a:r>
+          </a:p>
+          <a:p>
+            <a:endParaRPr lang="fr-FR" dirty="0"/>
+          </a:p>
+          <a:p>
+            <a:endParaRPr lang="fr-FR" dirty="0"/>
+          </a:p>
+          <a:p>
+            <a:endParaRPr lang="fr-FR" dirty="0"/>
+          </a:p>
+          <a:p>
+            <a:endParaRPr lang="fr-FR" dirty="0"/>
+          </a:p>
+          <a:p>
+            <a:endParaRPr lang="fr-FR" dirty="0"/>
+          </a:p>
+          <a:p>
+            <a:endParaRPr lang="fr-FR" dirty="0"/>
+          </a:p>
+          <a:p>
+            <a:endParaRPr lang="fr-FR" dirty="0"/>
+          </a:p>
+          <a:p>
+            <a:r>
+              <a:rPr lang="fr-FR" dirty="0"/>
+              <a:t>Affichage et gestion des erreurs/contrôles : </a:t>
+            </a:r>
+          </a:p>
+          <a:p>
+            <a:endParaRPr lang="fr-FR" dirty="0"/>
+          </a:p>
+          <a:p>
+            <a:endParaRPr lang="fr-FR" dirty="0"/>
+          </a:p>
+        </p:txBody>
+      </p:sp>
+      <p:pic>
+        <p:nvPicPr>
+          <p:cNvPr id="8" name="Image 7">
+            <a:extLst>
+              <a:ext uri="{FF2B5EF4-FFF2-40B4-BE49-F238E27FC236}">
+                <a16:creationId xmlns:a16="http://schemas.microsoft.com/office/drawing/2014/main" id="{37D40128-7F3B-4796-9F9E-927E13AB22BF}"/>
+              </a:ext>
+            </a:extLst>
+          </p:cNvPr>
+          <p:cNvPicPr/>
+          <p:nvPr/>
+        </p:nvPicPr>
+        <p:blipFill>
+          <a:blip r:embed="rId2">
+            <a:extLst>
+              <a:ext uri="{28A0092B-C50C-407E-A947-70E740481C1C}">
+                <a14:useLocalDpi xmlns:a14="http://schemas.microsoft.com/office/drawing/2010/main" val="0"/>
+              </a:ext>
+            </a:extLst>
+          </a:blip>
+          <a:stretch>
+            <a:fillRect/>
+          </a:stretch>
+        </p:blipFill>
+        <p:spPr>
+          <a:xfrm>
+            <a:off x="641899" y="2288171"/>
+            <a:ext cx="7332980" cy="1721485"/>
+          </a:xfrm>
+          <a:prstGeom prst="rect">
+            <a:avLst/>
+          </a:prstGeom>
+        </p:spPr>
+      </p:pic>
+      <p:pic>
+        <p:nvPicPr>
+          <p:cNvPr id="9" name="Image 8">
+            <a:extLst>
+              <a:ext uri="{FF2B5EF4-FFF2-40B4-BE49-F238E27FC236}">
+                <a16:creationId xmlns:a16="http://schemas.microsoft.com/office/drawing/2014/main" id="{FD0530EF-AFC7-40B7-A8C1-D0CB87ACDA00}"/>
+              </a:ext>
+            </a:extLst>
+          </p:cNvPr>
+          <p:cNvPicPr>
+            <a:picLocks noChangeAspect="1"/>
+          </p:cNvPicPr>
+          <p:nvPr/>
+        </p:nvPicPr>
+        <p:blipFill rotWithShape="1">
+          <a:blip r:embed="rId3"/>
+          <a:srcRect l="4141" t="3133" r="2282" b="43134"/>
+          <a:stretch/>
+        </p:blipFill>
+        <p:spPr>
+          <a:xfrm>
+            <a:off x="370703" y="4506302"/>
+            <a:ext cx="3171567" cy="1276625"/>
+          </a:xfrm>
+          <a:prstGeom prst="rect">
+            <a:avLst/>
+          </a:prstGeom>
+        </p:spPr>
+      </p:pic>
+      <p:pic>
+        <p:nvPicPr>
+          <p:cNvPr id="10" name="Image 9">
+            <a:extLst>
+              <a:ext uri="{FF2B5EF4-FFF2-40B4-BE49-F238E27FC236}">
+                <a16:creationId xmlns:a16="http://schemas.microsoft.com/office/drawing/2014/main" id="{5682CBEE-835A-4E57-B6B1-EB20B5EED454}"/>
+              </a:ext>
+            </a:extLst>
+          </p:cNvPr>
+          <p:cNvPicPr>
+            <a:picLocks noChangeAspect="1"/>
+          </p:cNvPicPr>
+          <p:nvPr/>
+        </p:nvPicPr>
+        <p:blipFill rotWithShape="1">
+          <a:blip r:embed="rId4"/>
+          <a:srcRect l="1716" t="3210" r="1348" b="34033"/>
+          <a:stretch/>
+        </p:blipFill>
+        <p:spPr>
+          <a:xfrm>
+            <a:off x="3742388" y="4506302"/>
+            <a:ext cx="2592509" cy="1279037"/>
+          </a:xfrm>
+          <a:prstGeom prst="rect">
+            <a:avLst/>
+          </a:prstGeom>
+        </p:spPr>
+      </p:pic>
+      <p:pic>
+        <p:nvPicPr>
+          <p:cNvPr id="11" name="Image 10">
+            <a:extLst>
+              <a:ext uri="{FF2B5EF4-FFF2-40B4-BE49-F238E27FC236}">
+                <a16:creationId xmlns:a16="http://schemas.microsoft.com/office/drawing/2014/main" id="{F58407E0-406C-49D4-9CF2-E91FF0CE59CF}"/>
+              </a:ext>
+            </a:extLst>
+          </p:cNvPr>
+          <p:cNvPicPr>
+            <a:picLocks noChangeAspect="1"/>
+          </p:cNvPicPr>
+          <p:nvPr/>
+        </p:nvPicPr>
+        <p:blipFill rotWithShape="1">
+          <a:blip r:embed="rId5"/>
+          <a:srcRect t="69577" b="8826"/>
+          <a:stretch/>
+        </p:blipFill>
+        <p:spPr>
+          <a:xfrm>
+            <a:off x="6535015" y="4104147"/>
+            <a:ext cx="3001884" cy="945679"/>
+          </a:xfrm>
+          <a:prstGeom prst="rect">
+            <a:avLst/>
+          </a:prstGeom>
+        </p:spPr>
+      </p:pic>
+      <p:pic>
+        <p:nvPicPr>
+          <p:cNvPr id="3" name="Image 2">
+            <a:extLst>
+              <a:ext uri="{FF2B5EF4-FFF2-40B4-BE49-F238E27FC236}">
+                <a16:creationId xmlns:a16="http://schemas.microsoft.com/office/drawing/2014/main" id="{578BACE1-B432-4E12-AD2C-A524676FA43E}"/>
+              </a:ext>
+            </a:extLst>
+          </p:cNvPr>
+          <p:cNvPicPr>
+            <a:picLocks noChangeAspect="1"/>
+          </p:cNvPicPr>
+          <p:nvPr/>
+        </p:nvPicPr>
+        <p:blipFill>
+          <a:blip r:embed="rId6"/>
+          <a:stretch>
+            <a:fillRect/>
+          </a:stretch>
+        </p:blipFill>
+        <p:spPr>
+          <a:xfrm>
+            <a:off x="6567966" y="5144317"/>
+            <a:ext cx="3844661" cy="1328800"/>
+          </a:xfrm>
+          <a:prstGeom prst="rect">
+            <a:avLst/>
+          </a:prstGeom>
+        </p:spPr>
+      </p:pic>
+      <p:pic>
+        <p:nvPicPr>
+          <p:cNvPr id="12" name="Image 11">
+            <a:extLst>
+              <a:ext uri="{FF2B5EF4-FFF2-40B4-BE49-F238E27FC236}">
+                <a16:creationId xmlns:a16="http://schemas.microsoft.com/office/drawing/2014/main" id="{39685A5D-1070-4A82-8221-ABA8E9A461E8}"/>
+              </a:ext>
+            </a:extLst>
+          </p:cNvPr>
+          <p:cNvPicPr>
+            <a:picLocks noChangeAspect="1"/>
+          </p:cNvPicPr>
+          <p:nvPr/>
+        </p:nvPicPr>
+        <p:blipFill>
+          <a:blip r:embed="rId7"/>
+          <a:stretch>
+            <a:fillRect/>
+          </a:stretch>
+        </p:blipFill>
+        <p:spPr>
+          <a:xfrm>
+            <a:off x="8112330" y="2747138"/>
+            <a:ext cx="4029590" cy="1211388"/>
+          </a:xfrm>
+          <a:prstGeom prst="rect">
+            <a:avLst/>
+          </a:prstGeom>
+        </p:spPr>
+      </p:pic>
+    </p:spTree>
+    <p:extLst>
+      <p:ext uri="{BB962C8B-B14F-4D97-AF65-F5344CB8AC3E}">
+        <p14:creationId xmlns:p14="http://schemas.microsoft.com/office/powerpoint/2010/main" val="753166215"/>
+      </p:ext>
+    </p:extLst>
+  </p:cSld>
+  <p:clrMapOvr>
+    <a:masterClrMapping/>
+  </p:clrMapOvr>
+</p:sld>
+</file>
+
+<file path=ppt/slides/slide13.xml><?xml version="1.0" encoding="utf-8"?>
+<p:sld xmlns:a="http://schemas.openxmlformats.org/drawingml/2006/main" xmlns:r="http://schemas.openxmlformats.org/officeDocument/2006/relationships" xmlns:p="http://schemas.openxmlformats.org/presentationml/2006/main">
+  <p:cSld>
+    <p:spTree>
+      <p:nvGrpSpPr>
+        <p:cNvPr id="1" name=""/>
+        <p:cNvGrpSpPr/>
+        <p:nvPr/>
+      </p:nvGrpSpPr>
+      <p:grpSpPr>
+        <a:xfrm>
+          <a:off x="0" y="0"/>
+          <a:ext cx="0" cy="0"/>
+          <a:chOff x="0" y="0"/>
+          <a:chExt cx="0" cy="0"/>
+        </a:xfrm>
+      </p:grpSpPr>
+      <p:sp>
+        <p:nvSpPr>
+          <p:cNvPr id="6" name="Titre 1">
+            <a:extLst>
+              <a:ext uri="{FF2B5EF4-FFF2-40B4-BE49-F238E27FC236}">
+                <a16:creationId xmlns:a16="http://schemas.microsoft.com/office/drawing/2014/main" id="{5A1624C8-ABBC-4C56-A640-D66F051E8895}"/>
+              </a:ext>
+            </a:extLst>
+          </p:cNvPr>
+          <p:cNvSpPr txBox="1">
+            <a:spLocks/>
+          </p:cNvSpPr>
+          <p:nvPr/>
+        </p:nvSpPr>
+        <p:spPr>
+          <a:xfrm>
+            <a:off x="838200" y="310394"/>
+            <a:ext cx="10515600" cy="1308681"/>
+          </a:xfrm>
+          <a:prstGeom prst="rect">
+            <a:avLst/>
+          </a:prstGeom>
+        </p:spPr>
+        <p:txBody>
+          <a:bodyPr vert="horz" lIns="91440" tIns="45720" rIns="91440" bIns="45720" rtlCol="0" anchor="ctr">
+            <a:normAutofit/>
+          </a:bodyPr>
+          <a:lstStyle>
+            <a:lvl1pPr algn="l" defTabSz="914400" rtl="0" eaLnBrk="1" latinLnBrk="0" hangingPunct="1">
+              <a:lnSpc>
+                <a:spcPct val="90000"/>
+              </a:lnSpc>
+              <a:spcBef>
+                <a:spcPct val="0"/>
+              </a:spcBef>
+              <a:buNone/>
+              <a:defRPr sz="4400" kern="1200">
+                <a:solidFill>
+                  <a:schemeClr val="tx1"/>
+                </a:solidFill>
+                <a:latin typeface="+mj-lt"/>
+                <a:ea typeface="+mj-ea"/>
+                <a:cs typeface="+mj-cs"/>
+              </a:defRPr>
+            </a:lvl1pPr>
+          </a:lstStyle>
+          <a:p>
+            <a:pPr algn="ctr"/>
+            <a:r>
+              <a:rPr lang="fr-FR" dirty="0">
+                <a:solidFill>
+                  <a:schemeClr val="tx1">
+                    <a:lumMod val="75000"/>
+                    <a:lumOff val="25000"/>
+                  </a:schemeClr>
+                </a:solidFill>
+                <a:latin typeface="Constantia" panose="02030602050306030303" pitchFamily="18" charset="0"/>
+              </a:rPr>
+              <a:t>Codes et Fonctionnalités traitées</a:t>
+            </a:r>
+          </a:p>
+          <a:p>
+            <a:pPr algn="ctr"/>
+            <a:r>
+              <a:rPr lang="fr-FR" i="1" dirty="0">
+                <a:solidFill>
+                  <a:schemeClr val="tx1">
+                    <a:lumMod val="75000"/>
+                    <a:lumOff val="25000"/>
+                  </a:schemeClr>
+                </a:solidFill>
+                <a:latin typeface="Constantia" panose="02030602050306030303" pitchFamily="18" charset="0"/>
+              </a:rPr>
+              <a:t>- Application Web PHP -</a:t>
+            </a:r>
+          </a:p>
+        </p:txBody>
+      </p:sp>
+      <p:sp>
+        <p:nvSpPr>
+          <p:cNvPr id="2" name="ZoneTexte 1">
+            <a:extLst>
+              <a:ext uri="{FF2B5EF4-FFF2-40B4-BE49-F238E27FC236}">
+                <a16:creationId xmlns:a16="http://schemas.microsoft.com/office/drawing/2014/main" id="{A35B0FE1-E612-49A9-A4A8-4F0076E8248C}"/>
+              </a:ext>
+            </a:extLst>
+          </p:cNvPr>
+          <p:cNvSpPr txBox="1"/>
+          <p:nvPr/>
+        </p:nvSpPr>
+        <p:spPr>
+          <a:xfrm>
+            <a:off x="428366" y="1721708"/>
+            <a:ext cx="11500021" cy="3693319"/>
+          </a:xfrm>
+          <a:prstGeom prst="rect">
+            <a:avLst/>
+          </a:prstGeom>
+          <a:noFill/>
+        </p:spPr>
+        <p:txBody>
+          <a:bodyPr wrap="square" rtlCol="0">
+            <a:spAutoFit/>
+          </a:bodyPr>
+          <a:lstStyle/>
+          <a:p>
+            <a:r>
+              <a:rPr lang="fr-FR" dirty="0"/>
+              <a:t>Côté Responsive de l’application géré avec </a:t>
+            </a:r>
+            <a:r>
+              <a:rPr lang="fr-FR" dirty="0" err="1"/>
+              <a:t>bootstrap</a:t>
+            </a:r>
+            <a:r>
+              <a:rPr lang="fr-FR" dirty="0"/>
+              <a:t> :</a:t>
+            </a:r>
+          </a:p>
+          <a:p>
+            <a:endParaRPr lang="fr-FR" dirty="0"/>
+          </a:p>
+          <a:p>
+            <a:r>
+              <a:rPr lang="fr-FR" dirty="0"/>
+              <a:t>Smartphones :						</a:t>
+            </a:r>
+          </a:p>
+          <a:p>
+            <a:endParaRPr lang="fr-FR" dirty="0"/>
+          </a:p>
+          <a:p>
+            <a:r>
+              <a:rPr lang="fr-FR" dirty="0"/>
+              <a:t>						   </a:t>
+            </a:r>
+          </a:p>
+          <a:p>
+            <a:r>
+              <a:rPr lang="fr-FR" dirty="0"/>
+              <a:t>						    Tablettes :</a:t>
+            </a:r>
+          </a:p>
+          <a:p>
+            <a:endParaRPr lang="fr-FR" dirty="0"/>
+          </a:p>
+          <a:p>
+            <a:endParaRPr lang="fr-FR" dirty="0"/>
+          </a:p>
+          <a:p>
+            <a:endParaRPr lang="fr-FR" dirty="0"/>
+          </a:p>
+          <a:p>
+            <a:endParaRPr lang="fr-FR" dirty="0"/>
+          </a:p>
+          <a:p>
+            <a:endParaRPr lang="fr-FR" dirty="0"/>
+          </a:p>
+          <a:p>
+            <a:endParaRPr lang="fr-FR" dirty="0"/>
+          </a:p>
+          <a:p>
+            <a:endParaRPr lang="fr-FR" dirty="0"/>
+          </a:p>
+        </p:txBody>
+      </p:sp>
+      <p:pic>
+        <p:nvPicPr>
+          <p:cNvPr id="13" name="Image 12">
+            <a:extLst>
+              <a:ext uri="{FF2B5EF4-FFF2-40B4-BE49-F238E27FC236}">
+                <a16:creationId xmlns:a16="http://schemas.microsoft.com/office/drawing/2014/main" id="{65DC48EB-635D-4350-84A4-BAFE3ADC63BC}"/>
+              </a:ext>
+            </a:extLst>
+          </p:cNvPr>
+          <p:cNvPicPr>
+            <a:picLocks noChangeAspect="1"/>
+          </p:cNvPicPr>
+          <p:nvPr/>
+        </p:nvPicPr>
+        <p:blipFill>
+          <a:blip r:embed="rId2"/>
+          <a:stretch>
+            <a:fillRect/>
+          </a:stretch>
+        </p:blipFill>
+        <p:spPr>
+          <a:xfrm>
+            <a:off x="161515" y="2702012"/>
+            <a:ext cx="1916422" cy="4061254"/>
+          </a:xfrm>
+          <a:prstGeom prst="rect">
+            <a:avLst/>
+          </a:prstGeom>
+        </p:spPr>
+      </p:pic>
+      <p:pic>
+        <p:nvPicPr>
+          <p:cNvPr id="14" name="Image 13">
+            <a:extLst>
+              <a:ext uri="{FF2B5EF4-FFF2-40B4-BE49-F238E27FC236}">
+                <a16:creationId xmlns:a16="http://schemas.microsoft.com/office/drawing/2014/main" id="{EBE6C3A8-31F6-4590-BD5D-AB06090E66E5}"/>
+              </a:ext>
+            </a:extLst>
+          </p:cNvPr>
+          <p:cNvPicPr>
+            <a:picLocks noChangeAspect="1"/>
+          </p:cNvPicPr>
+          <p:nvPr/>
+        </p:nvPicPr>
+        <p:blipFill>
+          <a:blip r:embed="rId3"/>
+          <a:stretch>
+            <a:fillRect/>
+          </a:stretch>
+        </p:blipFill>
+        <p:spPr>
+          <a:xfrm>
+            <a:off x="2162945" y="2702012"/>
+            <a:ext cx="1919664" cy="4061254"/>
+          </a:xfrm>
+          <a:prstGeom prst="rect">
+            <a:avLst/>
+          </a:prstGeom>
+        </p:spPr>
+      </p:pic>
+      <p:pic>
+        <p:nvPicPr>
+          <p:cNvPr id="15" name="Image 14">
+            <a:extLst>
+              <a:ext uri="{FF2B5EF4-FFF2-40B4-BE49-F238E27FC236}">
+                <a16:creationId xmlns:a16="http://schemas.microsoft.com/office/drawing/2014/main" id="{82FB5D1C-8645-4D80-9554-096935E5EA88}"/>
+              </a:ext>
+            </a:extLst>
+          </p:cNvPr>
+          <p:cNvPicPr>
+            <a:picLocks noChangeAspect="1"/>
+          </p:cNvPicPr>
+          <p:nvPr/>
+        </p:nvPicPr>
+        <p:blipFill>
+          <a:blip r:embed="rId4"/>
+          <a:stretch>
+            <a:fillRect/>
+          </a:stretch>
+        </p:blipFill>
+        <p:spPr>
+          <a:xfrm>
+            <a:off x="4167617" y="2696438"/>
+            <a:ext cx="1916423" cy="4066828"/>
+          </a:xfrm>
+          <a:prstGeom prst="rect">
+            <a:avLst/>
+          </a:prstGeom>
+        </p:spPr>
+      </p:pic>
+      <p:pic>
+        <p:nvPicPr>
+          <p:cNvPr id="16" name="Image 15">
+            <a:extLst>
+              <a:ext uri="{FF2B5EF4-FFF2-40B4-BE49-F238E27FC236}">
+                <a16:creationId xmlns:a16="http://schemas.microsoft.com/office/drawing/2014/main" id="{5612A206-E699-4B4F-9E7E-E4A3560B07A6}"/>
+              </a:ext>
+            </a:extLst>
+          </p:cNvPr>
+          <p:cNvPicPr>
+            <a:picLocks noChangeAspect="1"/>
+          </p:cNvPicPr>
+          <p:nvPr/>
+        </p:nvPicPr>
+        <p:blipFill>
+          <a:blip r:embed="rId5"/>
+          <a:stretch>
+            <a:fillRect/>
+          </a:stretch>
+        </p:blipFill>
+        <p:spPr>
+          <a:xfrm>
+            <a:off x="6186615" y="3429000"/>
+            <a:ext cx="2283836" cy="3021928"/>
+          </a:xfrm>
+          <a:prstGeom prst="rect">
+            <a:avLst/>
+          </a:prstGeom>
+        </p:spPr>
+      </p:pic>
+      <p:pic>
+        <p:nvPicPr>
+          <p:cNvPr id="17" name="Image 16">
+            <a:extLst>
+              <a:ext uri="{FF2B5EF4-FFF2-40B4-BE49-F238E27FC236}">
+                <a16:creationId xmlns:a16="http://schemas.microsoft.com/office/drawing/2014/main" id="{B7CC1FDD-0696-4633-95D4-87C67543F2EE}"/>
+              </a:ext>
+            </a:extLst>
+          </p:cNvPr>
+          <p:cNvPicPr>
+            <a:picLocks noChangeAspect="1"/>
+          </p:cNvPicPr>
+          <p:nvPr/>
+        </p:nvPicPr>
+        <p:blipFill>
+          <a:blip r:embed="rId6"/>
+          <a:stretch>
+            <a:fillRect/>
+          </a:stretch>
+        </p:blipFill>
+        <p:spPr>
+          <a:xfrm>
+            <a:off x="8645405" y="3418804"/>
+            <a:ext cx="2283836" cy="3032124"/>
+          </a:xfrm>
+          <a:prstGeom prst="rect">
+            <a:avLst/>
+          </a:prstGeom>
+        </p:spPr>
+      </p:pic>
+    </p:spTree>
+    <p:extLst>
+      <p:ext uri="{BB962C8B-B14F-4D97-AF65-F5344CB8AC3E}">
+        <p14:creationId xmlns:p14="http://schemas.microsoft.com/office/powerpoint/2010/main" val="1852978926"/>
+      </p:ext>
+    </p:extLst>
+  </p:cSld>
+  <p:clrMapOvr>
+    <a:masterClrMapping/>
+  </p:clrMapOvr>
+</p:sld>
+</file>
+
+<file path=ppt/slides/slide14.xml><?xml version="1.0" encoding="utf-8"?>
+<p:sld xmlns:a="http://schemas.openxmlformats.org/drawingml/2006/main" xmlns:r="http://schemas.openxmlformats.org/officeDocument/2006/relationships" xmlns:p="http://schemas.openxmlformats.org/presentationml/2006/main">
+  <p:cSld>
+    <p:spTree>
+      <p:nvGrpSpPr>
+        <p:cNvPr id="1" name=""/>
+        <p:cNvGrpSpPr/>
+        <p:nvPr/>
+      </p:nvGrpSpPr>
+      <p:grpSpPr>
+        <a:xfrm>
+          <a:off x="0" y="0"/>
+          <a:ext cx="0" cy="0"/>
+          <a:chOff x="0" y="0"/>
+          <a:chExt cx="0" cy="0"/>
+        </a:xfrm>
+      </p:grpSpPr>
+      <p:sp>
+        <p:nvSpPr>
+          <p:cNvPr id="6" name="Titre 1">
+            <a:extLst>
+              <a:ext uri="{FF2B5EF4-FFF2-40B4-BE49-F238E27FC236}">
+                <a16:creationId xmlns:a16="http://schemas.microsoft.com/office/drawing/2014/main" id="{5A1624C8-ABBC-4C56-A640-D66F051E8895}"/>
+              </a:ext>
+            </a:extLst>
+          </p:cNvPr>
+          <p:cNvSpPr txBox="1">
+            <a:spLocks/>
+          </p:cNvSpPr>
+          <p:nvPr/>
+        </p:nvSpPr>
+        <p:spPr>
+          <a:xfrm>
+            <a:off x="838200" y="310394"/>
+            <a:ext cx="10515600" cy="1308681"/>
+          </a:xfrm>
+          <a:prstGeom prst="rect">
+            <a:avLst/>
+          </a:prstGeom>
+        </p:spPr>
+        <p:txBody>
+          <a:bodyPr vert="horz" lIns="91440" tIns="45720" rIns="91440" bIns="45720" rtlCol="0" anchor="ctr">
+            <a:normAutofit/>
+          </a:bodyPr>
+          <a:lstStyle>
+            <a:lvl1pPr algn="l" defTabSz="914400" rtl="0" eaLnBrk="1" latinLnBrk="0" hangingPunct="1">
+              <a:lnSpc>
+                <a:spcPct val="90000"/>
+              </a:lnSpc>
+              <a:spcBef>
+                <a:spcPct val="0"/>
+              </a:spcBef>
+              <a:buNone/>
+              <a:defRPr sz="4400" kern="1200">
+                <a:solidFill>
+                  <a:schemeClr val="tx1"/>
+                </a:solidFill>
+                <a:latin typeface="+mj-lt"/>
+                <a:ea typeface="+mj-ea"/>
+                <a:cs typeface="+mj-cs"/>
+              </a:defRPr>
+            </a:lvl1pPr>
+          </a:lstStyle>
+          <a:p>
+            <a:pPr algn="ctr"/>
+            <a:r>
+              <a:rPr lang="fr-FR" dirty="0">
+                <a:solidFill>
+                  <a:schemeClr val="tx1">
+                    <a:lumMod val="75000"/>
+                    <a:lumOff val="25000"/>
+                  </a:schemeClr>
+                </a:solidFill>
+                <a:latin typeface="Constantia" panose="02030602050306030303" pitchFamily="18" charset="0"/>
+              </a:rPr>
+              <a:t>Codes et Fonctionnalités traitées</a:t>
+            </a:r>
+          </a:p>
+          <a:p>
+            <a:pPr algn="ctr"/>
+            <a:r>
+              <a:rPr lang="fr-FR" i="1" dirty="0">
+                <a:solidFill>
+                  <a:schemeClr val="tx1">
+                    <a:lumMod val="75000"/>
+                    <a:lumOff val="25000"/>
+                  </a:schemeClr>
+                </a:solidFill>
+                <a:latin typeface="Constantia" panose="02030602050306030303" pitchFamily="18" charset="0"/>
+              </a:rPr>
+              <a:t>- Codes Python -</a:t>
+            </a:r>
+          </a:p>
+        </p:txBody>
+      </p:sp>
+      <p:sp>
+        <p:nvSpPr>
+          <p:cNvPr id="3" name="Espace réservé du contenu 2">
+            <a:extLst>
+              <a:ext uri="{FF2B5EF4-FFF2-40B4-BE49-F238E27FC236}">
+                <a16:creationId xmlns:a16="http://schemas.microsoft.com/office/drawing/2014/main" id="{A51A1B11-01BD-46F3-9A20-A3A9E9C44B0D}"/>
               </a:ext>
             </a:extLst>
           </p:cNvPr>
@@ -3652,7 +5034,7 @@
                 </a:solidFill>
                 <a:latin typeface="Constantia" panose="02030602050306030303" pitchFamily="18" charset="0"/>
               </a:rPr>
-              <a:t>Ce qui est fait</a:t>
+              <a:t>Codes disponibles sous le dossier ‘PYTH’ du dépôt git</a:t>
             </a:r>
           </a:p>
           <a:p>
@@ -3671,7 +5053,470 @@
                 </a:solidFill>
                 <a:latin typeface="Constantia" panose="02030602050306030303" pitchFamily="18" charset="0"/>
               </a:rPr>
-              <a:t>Ce qu’il reste à faire</a:t>
+              <a:t>Mise en place d’une communication entre ESP8266 et Raspberry Pi</a:t>
+            </a:r>
+          </a:p>
+          <a:p>
+            <a:pPr lvl="1" algn="just">
+              <a:lnSpc>
+                <a:spcPct val="150000"/>
+              </a:lnSpc>
+            </a:pPr>
+            <a:r>
+              <a:rPr lang="fr-FR" sz="1800" dirty="0">
+                <a:solidFill>
+                  <a:schemeClr val="tx1">
+                    <a:lumMod val="65000"/>
+                    <a:lumOff val="35000"/>
+                  </a:schemeClr>
+                </a:solidFill>
+                <a:latin typeface="Constantia" panose="02030602050306030303" pitchFamily="18" charset="0"/>
+              </a:rPr>
+              <a:t>Connexion au broker MQTT (localhost sur le Raspberry Pi)</a:t>
+            </a:r>
+          </a:p>
+          <a:p>
+            <a:pPr lvl="1" algn="just">
+              <a:lnSpc>
+                <a:spcPct val="150000"/>
+              </a:lnSpc>
+            </a:pPr>
+            <a:r>
+              <a:rPr lang="fr-FR" sz="1800" dirty="0">
+                <a:solidFill>
+                  <a:schemeClr val="tx1">
+                    <a:lumMod val="65000"/>
+                    <a:lumOff val="35000"/>
+                  </a:schemeClr>
+                </a:solidFill>
+                <a:latin typeface="Constantia" panose="02030602050306030303" pitchFamily="18" charset="0"/>
+              </a:rPr>
+              <a:t>Déchiffrement de l’UID transmise</a:t>
+            </a:r>
+          </a:p>
+          <a:p>
+            <a:pPr lvl="1" algn="just">
+              <a:lnSpc>
+                <a:spcPct val="150000"/>
+              </a:lnSpc>
+            </a:pPr>
+            <a:r>
+              <a:rPr lang="fr-FR" sz="1800" dirty="0">
+                <a:solidFill>
+                  <a:schemeClr val="tx1">
+                    <a:lumMod val="65000"/>
+                    <a:lumOff val="35000"/>
+                  </a:schemeClr>
+                </a:solidFill>
+                <a:latin typeface="Constantia" panose="02030602050306030303" pitchFamily="18" charset="0"/>
+              </a:rPr>
+              <a:t>Vérification directe en base de données de la validité de la clé lue</a:t>
+            </a:r>
+          </a:p>
+          <a:p>
+            <a:pPr algn="just">
+              <a:lnSpc>
+                <a:spcPct val="150000"/>
+              </a:lnSpc>
+            </a:pPr>
+            <a:r>
+              <a:rPr lang="fr-FR" sz="2000" dirty="0">
+                <a:solidFill>
+                  <a:schemeClr val="tx1">
+                    <a:lumMod val="75000"/>
+                    <a:lumOff val="25000"/>
+                  </a:schemeClr>
+                </a:solidFill>
+                <a:latin typeface="Constantia" panose="02030602050306030303" pitchFamily="18" charset="0"/>
+              </a:rPr>
+              <a:t>Interrogation d’un Arduino Nano BLE quant à l’état de la porte</a:t>
+            </a:r>
+          </a:p>
+          <a:p>
+            <a:pPr lvl="1" algn="just">
+              <a:lnSpc>
+                <a:spcPct val="150000"/>
+              </a:lnSpc>
+            </a:pPr>
+            <a:r>
+              <a:rPr lang="fr-FR" sz="1800" dirty="0">
+                <a:solidFill>
+                  <a:schemeClr val="tx1">
+                    <a:lumMod val="65000"/>
+                    <a:lumOff val="35000"/>
+                  </a:schemeClr>
+                </a:solidFill>
+                <a:latin typeface="Constantia" panose="02030602050306030303" pitchFamily="18" charset="0"/>
+              </a:rPr>
+              <a:t>Connexion au broker dans l’attente d’une requête provenant de l’application Web</a:t>
+            </a:r>
+          </a:p>
+          <a:p>
+            <a:pPr lvl="1" algn="just">
+              <a:lnSpc>
+                <a:spcPct val="150000"/>
+              </a:lnSpc>
+            </a:pPr>
+            <a:r>
+              <a:rPr lang="fr-FR" sz="1800" dirty="0">
+                <a:solidFill>
+                  <a:schemeClr val="tx1">
+                    <a:lumMod val="65000"/>
+                    <a:lumOff val="35000"/>
+                  </a:schemeClr>
+                </a:solidFill>
+                <a:latin typeface="Constantia" panose="02030602050306030303" pitchFamily="18" charset="0"/>
+              </a:rPr>
+              <a:t>Non fonctionnel dans le cadre d’une utilisation via BLE (la réponse est simulée pour l’heure)</a:t>
+            </a:r>
+          </a:p>
+          <a:p>
+            <a:pPr lvl="1" algn="just">
+              <a:lnSpc>
+                <a:spcPct val="150000"/>
+              </a:lnSpc>
+            </a:pPr>
+            <a:endParaRPr lang="fr-FR" sz="1200" dirty="0">
+              <a:solidFill>
+                <a:schemeClr val="tx1">
+                  <a:lumMod val="65000"/>
+                  <a:lumOff val="35000"/>
+                </a:schemeClr>
+              </a:solidFill>
+              <a:latin typeface="Constantia" panose="02030602050306030303" pitchFamily="18" charset="0"/>
+            </a:endParaRPr>
+          </a:p>
+          <a:p>
+            <a:pPr lvl="1" algn="just">
+              <a:lnSpc>
+                <a:spcPct val="150000"/>
+              </a:lnSpc>
+            </a:pPr>
+            <a:endParaRPr lang="fr-FR" sz="1200" dirty="0">
+              <a:solidFill>
+                <a:schemeClr val="tx1">
+                  <a:lumMod val="65000"/>
+                  <a:lumOff val="35000"/>
+                </a:schemeClr>
+              </a:solidFill>
+              <a:latin typeface="Constantia" panose="02030602050306030303" pitchFamily="18" charset="0"/>
+            </a:endParaRPr>
+          </a:p>
+        </p:txBody>
+      </p:sp>
+    </p:spTree>
+    <p:extLst>
+      <p:ext uri="{BB962C8B-B14F-4D97-AF65-F5344CB8AC3E}">
+        <p14:creationId xmlns:p14="http://schemas.microsoft.com/office/powerpoint/2010/main" val="3810457055"/>
+      </p:ext>
+    </p:extLst>
+  </p:cSld>
+  <p:clrMapOvr>
+    <a:masterClrMapping/>
+  </p:clrMapOvr>
+</p:sld>
+</file>
+
+<file path=ppt/slides/slide15.xml><?xml version="1.0" encoding="utf-8"?>
+<p:sld xmlns:a="http://schemas.openxmlformats.org/drawingml/2006/main" xmlns:r="http://schemas.openxmlformats.org/officeDocument/2006/relationships" xmlns:p="http://schemas.openxmlformats.org/presentationml/2006/main">
+  <p:cSld>
+    <p:spTree>
+      <p:nvGrpSpPr>
+        <p:cNvPr id="1" name=""/>
+        <p:cNvGrpSpPr/>
+        <p:nvPr/>
+      </p:nvGrpSpPr>
+      <p:grpSpPr>
+        <a:xfrm>
+          <a:off x="0" y="0"/>
+          <a:ext cx="0" cy="0"/>
+          <a:chOff x="0" y="0"/>
+          <a:chExt cx="0" cy="0"/>
+        </a:xfrm>
+      </p:grpSpPr>
+      <p:sp>
+        <p:nvSpPr>
+          <p:cNvPr id="6" name="Titre 1">
+            <a:extLst>
+              <a:ext uri="{FF2B5EF4-FFF2-40B4-BE49-F238E27FC236}">
+                <a16:creationId xmlns:a16="http://schemas.microsoft.com/office/drawing/2014/main" id="{5A1624C8-ABBC-4C56-A640-D66F051E8895}"/>
+              </a:ext>
+            </a:extLst>
+          </p:cNvPr>
+          <p:cNvSpPr txBox="1">
+            <a:spLocks/>
+          </p:cNvSpPr>
+          <p:nvPr/>
+        </p:nvSpPr>
+        <p:spPr>
+          <a:xfrm>
+            <a:off x="838200" y="500062"/>
+            <a:ext cx="10515600" cy="1325563"/>
+          </a:xfrm>
+          <a:prstGeom prst="rect">
+            <a:avLst/>
+          </a:prstGeom>
+        </p:spPr>
+        <p:txBody>
+          <a:bodyPr vert="horz" lIns="91440" tIns="45720" rIns="91440" bIns="45720" rtlCol="0" anchor="ctr">
+            <a:normAutofit/>
+          </a:bodyPr>
+          <a:lstStyle>
+            <a:lvl1pPr algn="l" defTabSz="914400" rtl="0" eaLnBrk="1" latinLnBrk="0" hangingPunct="1">
+              <a:lnSpc>
+                <a:spcPct val="90000"/>
+              </a:lnSpc>
+              <a:spcBef>
+                <a:spcPct val="0"/>
+              </a:spcBef>
+              <a:buNone/>
+              <a:defRPr sz="4400" kern="1200">
+                <a:solidFill>
+                  <a:schemeClr val="tx1"/>
+                </a:solidFill>
+                <a:latin typeface="+mj-lt"/>
+                <a:ea typeface="+mj-ea"/>
+                <a:cs typeface="+mj-cs"/>
+              </a:defRPr>
+            </a:lvl1pPr>
+          </a:lstStyle>
+          <a:p>
+            <a:pPr algn="ctr"/>
+            <a:r>
+              <a:rPr lang="fr-FR" dirty="0">
+                <a:solidFill>
+                  <a:schemeClr val="tx1">
+                    <a:lumMod val="75000"/>
+                    <a:lumOff val="25000"/>
+                  </a:schemeClr>
+                </a:solidFill>
+                <a:latin typeface="Constantia" panose="02030602050306030303" pitchFamily="18" charset="0"/>
+              </a:rPr>
+              <a:t>Bilan</a:t>
+            </a:r>
+          </a:p>
+        </p:txBody>
+      </p:sp>
+      <p:sp>
+        <p:nvSpPr>
+          <p:cNvPr id="4" name="Espace réservé du contenu 2">
+            <a:extLst>
+              <a:ext uri="{FF2B5EF4-FFF2-40B4-BE49-F238E27FC236}">
+                <a16:creationId xmlns:a16="http://schemas.microsoft.com/office/drawing/2014/main" id="{24EC6BDB-7E03-4D66-9D44-AFE4BE794A4A}"/>
+              </a:ext>
+            </a:extLst>
+          </p:cNvPr>
+          <p:cNvSpPr>
+            <a:spLocks noGrp="1"/>
+          </p:cNvSpPr>
+          <p:nvPr>
+            <p:ph idx="1"/>
+          </p:nvPr>
+        </p:nvSpPr>
+        <p:spPr>
+          <a:xfrm>
+            <a:off x="838200" y="1619076"/>
+            <a:ext cx="10515600" cy="4130936"/>
+          </a:xfrm>
+        </p:spPr>
+        <p:txBody>
+          <a:bodyPr>
+            <a:normAutofit/>
+          </a:bodyPr>
+          <a:lstStyle/>
+          <a:p>
+            <a:pPr>
+              <a:lnSpc>
+                <a:spcPct val="100000"/>
+              </a:lnSpc>
+            </a:pPr>
+            <a:r>
+              <a:rPr lang="fr-FR" sz="2000" b="1" dirty="0">
+                <a:solidFill>
+                  <a:schemeClr val="tx1">
+                    <a:lumMod val="75000"/>
+                    <a:lumOff val="25000"/>
+                  </a:schemeClr>
+                </a:solidFill>
+                <a:latin typeface="Constantia" panose="02030602050306030303" pitchFamily="18" charset="0"/>
+              </a:rPr>
+              <a:t>Ce qui est fait :</a:t>
+            </a:r>
+          </a:p>
+          <a:p>
+            <a:pPr marL="0" indent="0">
+              <a:lnSpc>
+                <a:spcPct val="100000"/>
+              </a:lnSpc>
+              <a:buNone/>
+            </a:pPr>
+            <a:r>
+              <a:rPr lang="fr-FR" sz="2000" dirty="0">
+                <a:solidFill>
+                  <a:schemeClr val="tx1">
+                    <a:lumMod val="75000"/>
+                    <a:lumOff val="25000"/>
+                  </a:schemeClr>
+                </a:solidFill>
+                <a:latin typeface="Constantia" panose="02030602050306030303" pitchFamily="18" charset="0"/>
+              </a:rPr>
+              <a:t>	- L’application mobile/web est terminée et prête à l’emploi</a:t>
+            </a:r>
+            <a:br>
+              <a:rPr lang="fr-FR" sz="2000" dirty="0">
+                <a:solidFill>
+                  <a:schemeClr val="tx1">
+                    <a:lumMod val="75000"/>
+                    <a:lumOff val="25000"/>
+                  </a:schemeClr>
+                </a:solidFill>
+                <a:latin typeface="Constantia" panose="02030602050306030303" pitchFamily="18" charset="0"/>
+              </a:rPr>
+            </a:br>
+            <a:r>
+              <a:rPr lang="fr-FR" sz="2000" dirty="0">
+                <a:solidFill>
+                  <a:schemeClr val="tx1">
+                    <a:lumMod val="75000"/>
+                    <a:lumOff val="25000"/>
+                  </a:schemeClr>
+                </a:solidFill>
+                <a:latin typeface="Constantia" panose="02030602050306030303" pitchFamily="18" charset="0"/>
+              </a:rPr>
+              <a:t>	- Les scripts pythons/</a:t>
+            </a:r>
+            <a:r>
+              <a:rPr lang="fr-FR" sz="2000" dirty="0" err="1">
+                <a:solidFill>
+                  <a:schemeClr val="tx1">
+                    <a:lumMod val="75000"/>
+                    <a:lumOff val="25000"/>
+                  </a:schemeClr>
+                </a:solidFill>
+                <a:latin typeface="Constantia" panose="02030602050306030303" pitchFamily="18" charset="0"/>
+              </a:rPr>
+              <a:t>arduino</a:t>
+            </a:r>
+            <a:r>
+              <a:rPr lang="fr-FR" sz="2000" dirty="0">
+                <a:solidFill>
+                  <a:schemeClr val="tx1">
+                    <a:lumMod val="75000"/>
+                    <a:lumOff val="25000"/>
+                  </a:schemeClr>
+                </a:solidFill>
+                <a:latin typeface="Constantia" panose="02030602050306030303" pitchFamily="18" charset="0"/>
+              </a:rPr>
+              <a:t> aussi, la séquence de déverrouillage par carte RFID est fonctionnel de bout en bout.</a:t>
+            </a:r>
+            <a:br>
+              <a:rPr lang="fr-FR" sz="2000" dirty="0">
+                <a:solidFill>
+                  <a:schemeClr val="tx1">
+                    <a:lumMod val="75000"/>
+                    <a:lumOff val="25000"/>
+                  </a:schemeClr>
+                </a:solidFill>
+                <a:latin typeface="Constantia" panose="02030602050306030303" pitchFamily="18" charset="0"/>
+              </a:rPr>
+            </a:br>
+            <a:r>
+              <a:rPr lang="fr-FR" sz="2000" dirty="0">
+                <a:solidFill>
+                  <a:schemeClr val="tx1">
+                    <a:lumMod val="75000"/>
+                    <a:lumOff val="25000"/>
+                  </a:schemeClr>
+                </a:solidFill>
+                <a:latin typeface="Constantia" panose="02030602050306030303" pitchFamily="18" charset="0"/>
+              </a:rPr>
+              <a:t>	- La sécurisation des échanges via le chiffrement entre l’ESP8266 et le Raspberry Pi et l’activation du HTTPS pour l’application</a:t>
+            </a:r>
+            <a:br>
+              <a:rPr lang="fr-FR" sz="2000" dirty="0">
+                <a:solidFill>
+                  <a:schemeClr val="tx1">
+                    <a:lumMod val="75000"/>
+                    <a:lumOff val="25000"/>
+                  </a:schemeClr>
+                </a:solidFill>
+                <a:latin typeface="Constantia" panose="02030602050306030303" pitchFamily="18" charset="0"/>
+              </a:rPr>
+            </a:br>
+            <a:r>
+              <a:rPr lang="fr-FR" sz="2000" dirty="0">
+                <a:solidFill>
+                  <a:schemeClr val="tx1">
+                    <a:lumMod val="75000"/>
+                    <a:lumOff val="25000"/>
+                  </a:schemeClr>
+                </a:solidFill>
+                <a:latin typeface="Constantia" panose="02030602050306030303" pitchFamily="18" charset="0"/>
+              </a:rPr>
+              <a:t>	- La redirection de ports pour rendre accessible l’application et le broker MQTT</a:t>
+            </a:r>
+          </a:p>
+          <a:p>
+            <a:pPr>
+              <a:lnSpc>
+                <a:spcPct val="100000"/>
+              </a:lnSpc>
+            </a:pPr>
+            <a:r>
+              <a:rPr lang="fr-FR" sz="2000" b="1" dirty="0">
+                <a:solidFill>
+                  <a:schemeClr val="tx1">
+                    <a:lumMod val="75000"/>
+                    <a:lumOff val="25000"/>
+                  </a:schemeClr>
+                </a:solidFill>
+                <a:latin typeface="Constantia" panose="02030602050306030303" pitchFamily="18" charset="0"/>
+              </a:rPr>
+              <a:t>Ce qu’il reste à faire :</a:t>
+            </a:r>
+          </a:p>
+          <a:p>
+            <a:pPr marL="0" indent="0">
+              <a:lnSpc>
+                <a:spcPct val="100000"/>
+              </a:lnSpc>
+              <a:buNone/>
+            </a:pPr>
+            <a:r>
+              <a:rPr lang="fr-FR" sz="2000" dirty="0">
+                <a:solidFill>
+                  <a:schemeClr val="tx1">
+                    <a:lumMod val="75000"/>
+                    <a:lumOff val="25000"/>
+                  </a:schemeClr>
+                </a:solidFill>
+                <a:latin typeface="Constantia" panose="02030602050306030303" pitchFamily="18" charset="0"/>
+              </a:rPr>
+              <a:t>	- Développer un script python qui permettrait de renvoyer le statut de la porte à l’application qui afficherait le bouton en fonction de son état. Côté </a:t>
+            </a:r>
+            <a:r>
+              <a:rPr lang="fr-FR" sz="2000" dirty="0" err="1">
+                <a:solidFill>
+                  <a:schemeClr val="tx1">
+                    <a:lumMod val="75000"/>
+                    <a:lumOff val="25000"/>
+                  </a:schemeClr>
+                </a:solidFill>
+                <a:latin typeface="Constantia" panose="02030602050306030303" pitchFamily="18" charset="0"/>
+              </a:rPr>
+              <a:t>php</a:t>
+            </a:r>
+            <a:r>
+              <a:rPr lang="fr-FR" sz="2000" dirty="0">
+                <a:solidFill>
+                  <a:schemeClr val="tx1">
+                    <a:lumMod val="75000"/>
+                    <a:lumOff val="25000"/>
+                  </a:schemeClr>
+                </a:solidFill>
+                <a:latin typeface="Constantia" panose="02030602050306030303" pitchFamily="18" charset="0"/>
+              </a:rPr>
+              <a:t> la fonction est présente mais à cause du confinement nous n’avons pu faire de test pour la faire fonctionner.</a:t>
             </a:r>
           </a:p>
           <a:p>
@@ -5463,6 +7308,204 @@
           </a:p>
         </p:txBody>
       </p:sp>
+      <p:sp>
+        <p:nvSpPr>
+          <p:cNvPr id="2" name="ZoneTexte 1">
+            <a:extLst>
+              <a:ext uri="{FF2B5EF4-FFF2-40B4-BE49-F238E27FC236}">
+                <a16:creationId xmlns:a16="http://schemas.microsoft.com/office/drawing/2014/main" id="{A35B0FE1-E612-49A9-A4A8-4F0076E8248C}"/>
+              </a:ext>
+            </a:extLst>
+          </p:cNvPr>
+          <p:cNvSpPr txBox="1"/>
+          <p:nvPr/>
+        </p:nvSpPr>
+        <p:spPr>
+          <a:xfrm>
+            <a:off x="370703" y="1894703"/>
+            <a:ext cx="11500021" cy="3970318"/>
+          </a:xfrm>
+          <a:prstGeom prst="rect">
+            <a:avLst/>
+          </a:prstGeom>
+          <a:noFill/>
+        </p:spPr>
+        <p:txBody>
+          <a:bodyPr wrap="square" rtlCol="0">
+            <a:spAutoFit/>
+          </a:bodyPr>
+          <a:lstStyle/>
+          <a:p>
+            <a:r>
+              <a:rPr lang="fr-FR" dirty="0">
+                <a:latin typeface="Constantia" panose="02030602050306030303" pitchFamily="18" charset="0"/>
+              </a:rPr>
+              <a:t>Accès à l’application via HTTPS à l’adresse : </a:t>
+            </a:r>
+            <a:r>
+              <a:rPr lang="fr-FR" dirty="0">
+                <a:latin typeface="Constantia" panose="02030602050306030303" pitchFamily="18" charset="0"/>
+                <a:hlinkClick r:id="rId2"/>
+              </a:rPr>
+              <a:t>https://90.116.66.46:8443/AppMobile</a:t>
+            </a:r>
+            <a:endParaRPr lang="fr-FR" dirty="0">
+              <a:latin typeface="Constantia" panose="02030602050306030303" pitchFamily="18" charset="0"/>
+            </a:endParaRPr>
+          </a:p>
+          <a:p>
+            <a:endParaRPr lang="fr-FR" dirty="0">
+              <a:latin typeface="Constantia" panose="02030602050306030303" pitchFamily="18" charset="0"/>
+            </a:endParaRPr>
+          </a:p>
+          <a:p>
+            <a:r>
+              <a:rPr lang="fr-FR" dirty="0">
+                <a:latin typeface="Constantia" panose="02030602050306030303" pitchFamily="18" charset="0"/>
+              </a:rPr>
+              <a:t>	L’application est hébergé sur un serveur Apache sur le Raspberry Pi 3, dans un 1</a:t>
+            </a:r>
+            <a:r>
+              <a:rPr lang="fr-FR" baseline="30000" dirty="0">
+                <a:latin typeface="Constantia" panose="02030602050306030303" pitchFamily="18" charset="0"/>
+              </a:rPr>
+              <a:t>er</a:t>
+            </a:r>
+            <a:r>
+              <a:rPr lang="fr-FR" dirty="0">
+                <a:latin typeface="Constantia" panose="02030602050306030303" pitchFamily="18" charset="0"/>
+              </a:rPr>
+              <a:t> temps il a fallu mettre en place une redirection de ports depuis mon Point d’Accès Internet vers le Raspberry pour le mettre à disposition depuis le web. La redirection se faisant du port 8443 de mon PAI vers le port interne 443 du Raspberry.</a:t>
+            </a:r>
+          </a:p>
+          <a:p>
+            <a:endParaRPr lang="fr-FR" dirty="0">
+              <a:latin typeface="Constantia" panose="02030602050306030303" pitchFamily="18" charset="0"/>
+            </a:endParaRPr>
+          </a:p>
+          <a:p>
+            <a:r>
+              <a:rPr lang="fr-FR" dirty="0">
+                <a:latin typeface="Constantia" panose="02030602050306030303" pitchFamily="18" charset="0"/>
+              </a:rPr>
+              <a:t>De plus pour centraliser les échanges entre nos divers objets connectés nous avons fait le choix du broker MQTT </a:t>
+            </a:r>
+            <a:r>
+              <a:rPr lang="fr-FR" dirty="0" err="1">
+                <a:latin typeface="Constantia" panose="02030602050306030303" pitchFamily="18" charset="0"/>
+              </a:rPr>
+              <a:t>Mosquitto</a:t>
+            </a:r>
+            <a:r>
+              <a:rPr lang="fr-FR" dirty="0">
+                <a:latin typeface="Constantia" panose="02030602050306030303" pitchFamily="18" charset="0"/>
+              </a:rPr>
+              <a:t> qui est hébergé lui aussi sur le Raspberry et pour lequel il a était nécessaire aussi de faire une redirection de ports du port externe 8086 (choisi arbitrairement) vers le port 1883 par défaut celui du broker MQTT.</a:t>
+            </a:r>
+          </a:p>
+          <a:p>
+            <a:endParaRPr lang="fr-FR" dirty="0">
+              <a:latin typeface="Constantia" panose="02030602050306030303" pitchFamily="18" charset="0"/>
+            </a:endParaRPr>
+          </a:p>
+          <a:p>
+            <a:r>
+              <a:rPr lang="fr-FR" dirty="0">
+                <a:latin typeface="Constantia" panose="02030602050306030303" pitchFamily="18" charset="0"/>
+              </a:rPr>
+              <a:t>Dans un 2</a:t>
+            </a:r>
+            <a:r>
+              <a:rPr lang="fr-FR" baseline="30000" dirty="0">
+                <a:latin typeface="Constantia" panose="02030602050306030303" pitchFamily="18" charset="0"/>
+              </a:rPr>
+              <a:t>nd</a:t>
+            </a:r>
+            <a:r>
+              <a:rPr lang="fr-FR" dirty="0">
+                <a:latin typeface="Constantia" panose="02030602050306030303" pitchFamily="18" charset="0"/>
+              </a:rPr>
+              <a:t> temps pour sécuriser l’accès à l’application il a été décidé d’autoriser seulement l’accès en HTTPS et de restreindre celui en HTTP. Pour cela il a fallu créer un certificat auto-signé et hébergé sur le </a:t>
+            </a:r>
+            <a:r>
+              <a:rPr lang="fr-FR" dirty="0" err="1">
+                <a:latin typeface="Constantia" panose="02030602050306030303" pitchFamily="18" charset="0"/>
+              </a:rPr>
+              <a:t>Rapsberry</a:t>
+            </a:r>
+            <a:r>
+              <a:rPr lang="fr-FR" dirty="0">
+                <a:latin typeface="Constantia" panose="02030602050306030303" pitchFamily="18" charset="0"/>
+              </a:rPr>
+              <a:t>. </a:t>
+            </a:r>
+          </a:p>
+          <a:p>
+            <a:r>
+              <a:rPr lang="fr-FR" dirty="0">
+                <a:latin typeface="Constantia" panose="02030602050306030303" pitchFamily="18" charset="0"/>
+              </a:rPr>
+              <a:t>Néanmoins on peut constater quand on accède à l’application que comme le certificat n’est pas validé par une autorité de certification, les navigateurs annoncent que la connexion n’est pas sécurisée. </a:t>
+            </a:r>
+          </a:p>
+        </p:txBody>
+      </p:sp>
+      <p:pic>
+        <p:nvPicPr>
+          <p:cNvPr id="4" name="Image 3">
+            <a:extLst>
+              <a:ext uri="{FF2B5EF4-FFF2-40B4-BE49-F238E27FC236}">
+                <a16:creationId xmlns:a16="http://schemas.microsoft.com/office/drawing/2014/main" id="{83161410-7FBB-48BF-8A38-6341BB7F6A54}"/>
+              </a:ext>
+            </a:extLst>
+          </p:cNvPr>
+          <p:cNvPicPr/>
+          <p:nvPr/>
+        </p:nvPicPr>
+        <p:blipFill rotWithShape="1">
+          <a:blip r:embed="rId3"/>
+          <a:srcRect l="2669" r="27141" b="3936"/>
+          <a:stretch/>
+        </p:blipFill>
+        <p:spPr>
+          <a:xfrm>
+            <a:off x="10091352" y="85439"/>
+            <a:ext cx="1977082" cy="2344723"/>
+          </a:xfrm>
+          <a:prstGeom prst="rect">
+            <a:avLst/>
+          </a:prstGeom>
+        </p:spPr>
+      </p:pic>
+      <p:pic>
+        <p:nvPicPr>
+          <p:cNvPr id="3" name="Image 2">
+            <a:extLst>
+              <a:ext uri="{FF2B5EF4-FFF2-40B4-BE49-F238E27FC236}">
+                <a16:creationId xmlns:a16="http://schemas.microsoft.com/office/drawing/2014/main" id="{1A7A26F9-88F2-407D-83DA-9AD557C6E701}"/>
+              </a:ext>
+            </a:extLst>
+          </p:cNvPr>
+          <p:cNvPicPr>
+            <a:picLocks noChangeAspect="1"/>
+          </p:cNvPicPr>
+          <p:nvPr/>
+        </p:nvPicPr>
+        <p:blipFill rotWithShape="1">
+          <a:blip r:embed="rId4"/>
+          <a:srcRect l="341" t="-1036" r="3751" b="47313"/>
+          <a:stretch/>
+        </p:blipFill>
+        <p:spPr>
+          <a:xfrm>
+            <a:off x="57666" y="241165"/>
+            <a:ext cx="2148791" cy="1503628"/>
+          </a:xfrm>
+          <a:prstGeom prst="rect">
+            <a:avLst/>
+          </a:prstGeom>
+        </p:spPr>
+      </p:pic>
     </p:spTree>
     <p:extLst>
       <p:ext uri="{BB962C8B-B14F-4D97-AF65-F5344CB8AC3E}">
@@ -5566,228 +7609,265 @@
                 </a:solidFill>
                 <a:latin typeface="Constantia" panose="02030602050306030303" pitchFamily="18" charset="0"/>
               </a:rPr>
-              <a:t>- Codes Python -</a:t>
-            </a:r>
-          </a:p>
-        </p:txBody>
-      </p:sp>
-      <p:sp>
-        <p:nvSpPr>
-          <p:cNvPr id="3" name="Espace réservé du contenu 2">
-            <a:extLst>
-              <a:ext uri="{FF2B5EF4-FFF2-40B4-BE49-F238E27FC236}">
-                <a16:creationId xmlns:a16="http://schemas.microsoft.com/office/drawing/2014/main" id="{A51A1B11-01BD-46F3-9A20-A3A9E9C44B0D}"/>
-              </a:ext>
-            </a:extLst>
-          </p:cNvPr>
-          <p:cNvSpPr>
-            <a:spLocks noGrp="1"/>
-          </p:cNvSpPr>
-          <p:nvPr>
-            <p:ph idx="1"/>
-          </p:nvPr>
+              <a:t>- Application Web PHP -</a:t>
+            </a:r>
+          </a:p>
+        </p:txBody>
+      </p:sp>
+      <p:sp>
+        <p:nvSpPr>
+          <p:cNvPr id="2" name="ZoneTexte 1">
+            <a:extLst>
+              <a:ext uri="{FF2B5EF4-FFF2-40B4-BE49-F238E27FC236}">
+                <a16:creationId xmlns:a16="http://schemas.microsoft.com/office/drawing/2014/main" id="{A35B0FE1-E612-49A9-A4A8-4F0076E8248C}"/>
+              </a:ext>
+            </a:extLst>
+          </p:cNvPr>
+          <p:cNvSpPr txBox="1"/>
+          <p:nvPr/>
         </p:nvSpPr>
         <p:spPr>
           <a:xfrm>
-            <a:off x="838200" y="1619075"/>
-            <a:ext cx="10515600" cy="4982645"/>
-          </a:xfrm>
-        </p:spPr>
-        <p:txBody>
-          <a:bodyPr>
-            <a:normAutofit/>
+            <a:off x="345989" y="1801690"/>
+            <a:ext cx="11846011" cy="1323439"/>
+          </a:xfrm>
+          <a:prstGeom prst="rect">
+            <a:avLst/>
+          </a:prstGeom>
+          <a:noFill/>
+        </p:spPr>
+        <p:txBody>
+          <a:bodyPr wrap="square" rtlCol="0">
+            <a:spAutoFit/>
           </a:bodyPr>
           <a:lstStyle/>
           <a:p>
-            <a:pPr algn="just">
-              <a:lnSpc>
-                <a:spcPct val="150000"/>
-              </a:lnSpc>
-            </a:pPr>
-            <a:r>
-              <a:rPr lang="fr-FR" sz="2000" dirty="0">
-                <a:solidFill>
-                  <a:schemeClr val="tx1">
-                    <a:lumMod val="75000"/>
-                    <a:lumOff val="25000"/>
-                  </a:schemeClr>
-                </a:solidFill>
-                <a:latin typeface="Constantia" panose="02030602050306030303" pitchFamily="18" charset="0"/>
-              </a:rPr>
-              <a:t>Codes disponibles sous le dossier ‘PYTH’ du dépôt git</a:t>
-            </a:r>
-          </a:p>
-          <a:p>
-            <a:pPr algn="just">
-              <a:lnSpc>
-                <a:spcPct val="150000"/>
-              </a:lnSpc>
-            </a:pPr>
-            <a:r>
-              <a:rPr lang="fr-FR" sz="2000" dirty="0">
-                <a:solidFill>
-                  <a:schemeClr val="tx1">
-                    <a:lumMod val="75000"/>
-                    <a:lumOff val="25000"/>
-                  </a:schemeClr>
-                </a:solidFill>
-                <a:latin typeface="Constantia" panose="02030602050306030303" pitchFamily="18" charset="0"/>
-              </a:rPr>
-              <a:t>Mise en place d’une communication entre ESP8266 et Raspberry Pi</a:t>
-            </a:r>
-          </a:p>
-          <a:p>
-            <a:pPr lvl="1" algn="just">
-              <a:lnSpc>
-                <a:spcPct val="150000"/>
-              </a:lnSpc>
-            </a:pPr>
-            <a:r>
-              <a:rPr lang="fr-FR" sz="1800" dirty="0">
-                <a:solidFill>
-                  <a:schemeClr val="tx1">
-                    <a:lumMod val="65000"/>
-                    <a:lumOff val="35000"/>
-                  </a:schemeClr>
-                </a:solidFill>
-                <a:latin typeface="Constantia" panose="02030602050306030303" pitchFamily="18" charset="0"/>
-              </a:rPr>
-              <a:t>Connexion au broker MQTT (localhost sur le Raspberry Pi)</a:t>
-            </a:r>
-          </a:p>
-          <a:p>
-            <a:pPr lvl="1" algn="just">
-              <a:lnSpc>
-                <a:spcPct val="150000"/>
-              </a:lnSpc>
-            </a:pPr>
-            <a:r>
-              <a:rPr lang="fr-FR" sz="1800" dirty="0">
-                <a:solidFill>
-                  <a:schemeClr val="tx1">
-                    <a:lumMod val="65000"/>
-                    <a:lumOff val="35000"/>
-                  </a:schemeClr>
-                </a:solidFill>
-                <a:latin typeface="Constantia" panose="02030602050306030303" pitchFamily="18" charset="0"/>
-              </a:rPr>
-              <a:t>Déchiffrement de l’UID transmise</a:t>
-            </a:r>
-          </a:p>
-          <a:p>
-            <a:pPr lvl="1" algn="just">
-              <a:lnSpc>
-                <a:spcPct val="150000"/>
-              </a:lnSpc>
-            </a:pPr>
-            <a:r>
-              <a:rPr lang="fr-FR" sz="1800" dirty="0">
-                <a:solidFill>
-                  <a:schemeClr val="tx1">
-                    <a:lumMod val="65000"/>
-                    <a:lumOff val="35000"/>
-                  </a:schemeClr>
-                </a:solidFill>
-                <a:latin typeface="Constantia" panose="02030602050306030303" pitchFamily="18" charset="0"/>
-              </a:rPr>
-              <a:t>Vérification directe en base de données de la validité de la clé lue</a:t>
-            </a:r>
-          </a:p>
-          <a:p>
-            <a:pPr algn="just">
-              <a:lnSpc>
-                <a:spcPct val="150000"/>
-              </a:lnSpc>
-            </a:pPr>
-            <a:r>
-              <a:rPr lang="fr-FR" sz="2000" dirty="0">
-                <a:solidFill>
-                  <a:schemeClr val="tx1">
-                    <a:lumMod val="75000"/>
-                    <a:lumOff val="25000"/>
-                  </a:schemeClr>
-                </a:solidFill>
-                <a:latin typeface="Constantia" panose="02030602050306030303" pitchFamily="18" charset="0"/>
-              </a:rPr>
-              <a:t>Interrogation d’un Arduino Nano BLE quant à l’état de la porte</a:t>
-            </a:r>
-          </a:p>
-          <a:p>
-            <a:pPr lvl="1" algn="just">
-              <a:lnSpc>
-                <a:spcPct val="150000"/>
-              </a:lnSpc>
-            </a:pPr>
-            <a:r>
-              <a:rPr lang="fr-FR" sz="1800" dirty="0">
-                <a:solidFill>
-                  <a:schemeClr val="tx1">
-                    <a:lumMod val="65000"/>
-                    <a:lumOff val="35000"/>
-                  </a:schemeClr>
-                </a:solidFill>
-                <a:latin typeface="Constantia" panose="02030602050306030303" pitchFamily="18" charset="0"/>
-              </a:rPr>
-              <a:t>Connexion au broker dans l’attente d’une requête provenant de l’application Web</a:t>
-            </a:r>
-          </a:p>
-          <a:p>
-            <a:pPr lvl="1" algn="just">
-              <a:lnSpc>
-                <a:spcPct val="150000"/>
-              </a:lnSpc>
-            </a:pPr>
-            <a:r>
-              <a:rPr lang="fr-FR" sz="1800" dirty="0">
-                <a:solidFill>
-                  <a:schemeClr val="tx1">
-                    <a:lumMod val="65000"/>
-                    <a:lumOff val="35000"/>
-                  </a:schemeClr>
-                </a:solidFill>
-                <a:latin typeface="Constantia" panose="02030602050306030303" pitchFamily="18" charset="0"/>
-              </a:rPr>
-              <a:t>Non fonctionnel dans le cadre d’une utilisation via BLE (la réponse est simulée pour l’heure)</a:t>
-            </a:r>
-          </a:p>
-          <a:p>
-            <a:pPr lvl="1" algn="just">
-              <a:lnSpc>
-                <a:spcPct val="150000"/>
-              </a:lnSpc>
-            </a:pPr>
-            <a:endParaRPr lang="fr-FR" sz="1200" dirty="0">
+            <a:r>
+              <a:rPr lang="fr-FR" sz="1600" dirty="0"/>
+              <a:t>Inscription sur l’application : 			                                                  L’admin doit alors valider le compte (</a:t>
+            </a:r>
+            <a:r>
+              <a:rPr lang="fr-FR" sz="1600" dirty="0" err="1"/>
+              <a:t>status</a:t>
+            </a:r>
+            <a:r>
+              <a:rPr lang="fr-FR" sz="1600" dirty="0"/>
+              <a:t> = 1) et </a:t>
+            </a:r>
+          </a:p>
+          <a:p>
+            <a:r>
+              <a:rPr lang="fr-FR" sz="1600" dirty="0"/>
+              <a:t>							          définir les plages horaires où il veut autoriser l’accès</a:t>
+            </a:r>
+            <a:br>
+              <a:rPr lang="fr-FR" sz="1600" dirty="0"/>
+            </a:br>
+            <a:endParaRPr lang="fr-FR" sz="1600" dirty="0"/>
+          </a:p>
+          <a:p>
+            <a:endParaRPr lang="fr-FR" sz="1600" dirty="0"/>
+          </a:p>
+          <a:p>
+            <a:endParaRPr lang="fr-FR" sz="1600" dirty="0"/>
+          </a:p>
+        </p:txBody>
+      </p:sp>
+      <p:pic>
+        <p:nvPicPr>
+          <p:cNvPr id="4" name="Image 3">
+            <a:extLst>
+              <a:ext uri="{FF2B5EF4-FFF2-40B4-BE49-F238E27FC236}">
+                <a16:creationId xmlns:a16="http://schemas.microsoft.com/office/drawing/2014/main" id="{424F575B-D637-4894-9073-3D0B020C0BE3}"/>
+              </a:ext>
+            </a:extLst>
+          </p:cNvPr>
+          <p:cNvPicPr/>
+          <p:nvPr/>
+        </p:nvPicPr>
+        <p:blipFill rotWithShape="1">
+          <a:blip r:embed="rId2"/>
+          <a:srcRect l="7430" r="6326" b="915"/>
+          <a:stretch/>
+        </p:blipFill>
+        <p:spPr bwMode="auto">
+          <a:xfrm>
+            <a:off x="584595" y="2263355"/>
+            <a:ext cx="2784681" cy="4417531"/>
+          </a:xfrm>
+          <a:prstGeom prst="rect">
+            <a:avLst/>
+          </a:prstGeom>
+          <a:ln>
+            <a:noFill/>
+          </a:ln>
+          <a:extLst>
+            <a:ext uri="{53640926-AAD7-44D8-BBD7-CCE9431645EC}">
+              <a14:shadowObscured xmlns:a14="http://schemas.microsoft.com/office/drawing/2010/main"/>
+            </a:ext>
+          </a:extLst>
+        </p:spPr>
+      </p:pic>
+      <p:sp>
+        <p:nvSpPr>
+          <p:cNvPr id="5" name="Cadre 4">
+            <a:extLst>
+              <a:ext uri="{FF2B5EF4-FFF2-40B4-BE49-F238E27FC236}">
+                <a16:creationId xmlns:a16="http://schemas.microsoft.com/office/drawing/2014/main" id="{3B28C91F-A1B6-4EEE-B7D9-E202A4BA8332}"/>
+              </a:ext>
+            </a:extLst>
+          </p:cNvPr>
+          <p:cNvSpPr/>
+          <p:nvPr/>
+        </p:nvSpPr>
+        <p:spPr>
+          <a:xfrm>
+            <a:off x="1095632" y="6211330"/>
+            <a:ext cx="1787611" cy="164756"/>
+          </a:xfrm>
+          <a:prstGeom prst="frame">
+            <a:avLst/>
+          </a:prstGeom>
+          <a:ln>
+            <a:solidFill>
+              <a:srgbClr val="FF0000"/>
+            </a:solidFill>
+          </a:ln>
+        </p:spPr>
+        <p:style>
+          <a:lnRef idx="2">
+            <a:schemeClr val="accent1">
+              <a:shade val="50000"/>
+            </a:schemeClr>
+          </a:lnRef>
+          <a:fillRef idx="1">
+            <a:schemeClr val="accent1"/>
+          </a:fillRef>
+          <a:effectRef idx="0">
+            <a:schemeClr val="accent1"/>
+          </a:effectRef>
+          <a:fontRef idx="minor">
+            <a:schemeClr val="lt1"/>
+          </a:fontRef>
+        </p:style>
+        <p:txBody>
+          <a:bodyPr rtlCol="0" anchor="ctr"/>
+          <a:lstStyle/>
+          <a:p>
+            <a:pPr algn="ctr"/>
+            <a:endParaRPr lang="fr-FR">
               <a:solidFill>
-                <a:schemeClr val="tx1">
-                  <a:lumMod val="65000"/>
-                  <a:lumOff val="35000"/>
-                </a:schemeClr>
+                <a:schemeClr val="tx1"/>
               </a:solidFill>
-              <a:latin typeface="Constantia" panose="02030602050306030303" pitchFamily="18" charset="0"/>
             </a:endParaRPr>
           </a:p>
-          <a:p>
-            <a:pPr lvl="1" algn="just">
-              <a:lnSpc>
-                <a:spcPct val="150000"/>
-              </a:lnSpc>
-            </a:pPr>
-            <a:endParaRPr lang="fr-FR" sz="1200" dirty="0">
-              <a:solidFill>
-                <a:schemeClr val="tx1">
-                  <a:lumMod val="65000"/>
-                  <a:lumOff val="35000"/>
-                </a:schemeClr>
-              </a:solidFill>
-              <a:latin typeface="Constantia" panose="02030602050306030303" pitchFamily="18" charset="0"/>
-            </a:endParaRPr>
-          </a:p>
-        </p:txBody>
-      </p:sp>
+        </p:txBody>
+      </p:sp>
+      <p:cxnSp>
+        <p:nvCxnSpPr>
+          <p:cNvPr id="9" name="Connecteur droit avec flèche 8">
+            <a:extLst>
+              <a:ext uri="{FF2B5EF4-FFF2-40B4-BE49-F238E27FC236}">
+                <a16:creationId xmlns:a16="http://schemas.microsoft.com/office/drawing/2014/main" id="{8DD44D59-1D8D-433E-B37E-3CCCB7C46A49}"/>
+              </a:ext>
+            </a:extLst>
+          </p:cNvPr>
+          <p:cNvCxnSpPr>
+            <a:cxnSpLocks/>
+            <a:stCxn id="5" idx="3"/>
+          </p:cNvCxnSpPr>
+          <p:nvPr/>
+        </p:nvCxnSpPr>
+        <p:spPr>
+          <a:xfrm flipV="1">
+            <a:off x="2883243" y="4455645"/>
+            <a:ext cx="1211253" cy="1838063"/>
+          </a:xfrm>
+          <a:prstGeom prst="straightConnector1">
+            <a:avLst/>
+          </a:prstGeom>
+          <a:ln>
+            <a:solidFill>
+              <a:srgbClr val="FF0000"/>
+            </a:solidFill>
+            <a:tailEnd type="triangle"/>
+          </a:ln>
+        </p:spPr>
+        <p:style>
+          <a:lnRef idx="1">
+            <a:schemeClr val="accent1"/>
+          </a:lnRef>
+          <a:fillRef idx="0">
+            <a:schemeClr val="accent1"/>
+          </a:fillRef>
+          <a:effectRef idx="0">
+            <a:schemeClr val="accent1"/>
+          </a:effectRef>
+          <a:fontRef idx="minor">
+            <a:schemeClr val="tx1"/>
+          </a:fontRef>
+        </p:style>
+      </p:cxnSp>
+      <p:pic>
+        <p:nvPicPr>
+          <p:cNvPr id="11" name="Image 10">
+            <a:extLst>
+              <a:ext uri="{FF2B5EF4-FFF2-40B4-BE49-F238E27FC236}">
+                <a16:creationId xmlns:a16="http://schemas.microsoft.com/office/drawing/2014/main" id="{E9550266-DB89-408B-A825-18A5FFF9509D}"/>
+              </a:ext>
+            </a:extLst>
+          </p:cNvPr>
+          <p:cNvPicPr/>
+          <p:nvPr/>
+        </p:nvPicPr>
+        <p:blipFill rotWithShape="1">
+          <a:blip r:embed="rId3"/>
+          <a:srcRect l="5051"/>
+          <a:stretch/>
+        </p:blipFill>
+        <p:spPr>
+          <a:xfrm>
+            <a:off x="7727380" y="2413686"/>
+            <a:ext cx="3566695" cy="4267200"/>
+          </a:xfrm>
+          <a:prstGeom prst="rect">
+            <a:avLst/>
+          </a:prstGeom>
+        </p:spPr>
+      </p:pic>
+      <p:pic>
+        <p:nvPicPr>
+          <p:cNvPr id="13" name="Image 12">
+            <a:extLst>
+              <a:ext uri="{FF2B5EF4-FFF2-40B4-BE49-F238E27FC236}">
+                <a16:creationId xmlns:a16="http://schemas.microsoft.com/office/drawing/2014/main" id="{750AB3AA-7DE1-4DD9-A16A-848CBEFA7972}"/>
+              </a:ext>
+            </a:extLst>
+          </p:cNvPr>
+          <p:cNvPicPr>
+            <a:picLocks noChangeAspect="1"/>
+          </p:cNvPicPr>
+          <p:nvPr/>
+        </p:nvPicPr>
+        <p:blipFill rotWithShape="1">
+          <a:blip r:embed="rId4"/>
+          <a:srcRect l="3977" r="2627"/>
+          <a:stretch/>
+        </p:blipFill>
+        <p:spPr>
+          <a:xfrm>
+            <a:off x="4094497" y="2234551"/>
+            <a:ext cx="3146850" cy="4446336"/>
+          </a:xfrm>
+          <a:prstGeom prst="rect">
+            <a:avLst/>
+          </a:prstGeom>
+        </p:spPr>
+      </p:pic>
     </p:spTree>
     <p:extLst>
       <p:ext uri="{BB962C8B-B14F-4D97-AF65-F5344CB8AC3E}">
-        <p14:creationId xmlns:p14="http://schemas.microsoft.com/office/powerpoint/2010/main" val="3810457055"/>
+        <p14:creationId xmlns:p14="http://schemas.microsoft.com/office/powerpoint/2010/main" val="3747827966"/>
       </p:ext>
     </p:extLst>
   </p:cSld>

--- a/Présentation du projet HODOR.pptx
+++ b/Présentation du projet HODOR.pptx
@@ -5316,7 +5316,7 @@
         <p:spPr>
           <a:xfrm>
             <a:off x="838200" y="1619076"/>
-            <a:ext cx="10515600" cy="4130936"/>
+            <a:ext cx="10515600" cy="4496498"/>
           </a:xfrm>
         </p:spPr>
         <p:txBody>
@@ -5407,7 +5407,7 @@
                 </a:solidFill>
                 <a:latin typeface="Constantia" panose="02030602050306030303" pitchFamily="18" charset="0"/>
               </a:rPr>
-              <a:t> aussi, la séquence de déverrouillage par carte RFID est fonctionnel de bout en bout.</a:t>
+              <a:t> aussi, la séquence de déverrouillage par carte RFID est fonctionnelle de bout en bout.</a:t>
             </a:r>
             <a:br>
               <a:rPr lang="fr-FR" sz="2000" dirty="0">
@@ -5492,31 +5492,7 @@
                 </a:solidFill>
                 <a:latin typeface="Constantia" panose="02030602050306030303" pitchFamily="18" charset="0"/>
               </a:rPr>
-              <a:t>	- Développer un script python qui permettrait de renvoyer le statut de la porte à l’application qui afficherait le bouton en fonction de son état. Côté </a:t>
-            </a:r>
-            <a:r>
-              <a:rPr lang="fr-FR" sz="2000" dirty="0" err="1">
-                <a:solidFill>
-                  <a:schemeClr val="tx1">
-                    <a:lumMod val="75000"/>
-                    <a:lumOff val="25000"/>
-                  </a:schemeClr>
-                </a:solidFill>
-                <a:latin typeface="Constantia" panose="02030602050306030303" pitchFamily="18" charset="0"/>
-              </a:rPr>
-              <a:t>php</a:t>
-            </a:r>
-            <a:r>
-              <a:rPr lang="fr-FR" sz="2000" dirty="0">
-                <a:solidFill>
-                  <a:schemeClr val="tx1">
-                    <a:lumMod val="75000"/>
-                    <a:lumOff val="25000"/>
-                  </a:schemeClr>
-                </a:solidFill>
-                <a:latin typeface="Constantia" panose="02030602050306030303" pitchFamily="18" charset="0"/>
-              </a:rPr>
-              <a:t> la fonction est présente mais à cause du confinement nous n’avons pu faire de test pour la faire fonctionner.</a:t>
+              <a:t>	- Développer un script python qui permettrait de renvoyer le statut de la porte à l’application qui afficherait le bouton en fonction de son état et ce, en se basant sur une communication BLE. Côté PHP la fonction est présente mais à cause du confinement nous n’avons pu faire de test pour la faire fonctionner.</a:t>
             </a:r>
           </a:p>
           <a:p>
